--- a/Summer2023/BUS243/lecture_note/lecture6.pptx
+++ b/Summer2023/BUS243/lecture_note/lecture6.pptx
@@ -228,7 +228,7 @@
           <a:p>
             <a:fld id="{38735C86-593D-1749-A2DA-368BAAB8EE94}" type="datetimeFigureOut">
               <a:rPr lang="en-US" smtClean="0"/>
-              <a:t>6/16/23</a:t>
+              <a:t>7/24/23</a:t>
             </a:fld>
             <a:endParaRPr lang="en-US"/>
           </a:p>
@@ -1182,7 +1182,7 @@
           <a:p>
             <a:fld id="{3CADBD16-5BFB-4D9F-9646-C75D1B53BBB6}" type="datetimeFigureOut">
               <a:rPr lang="en-US" smtClean="0"/>
-              <a:t>6/16/23</a:t>
+              <a:t>7/24/23</a:t>
             </a:fld>
             <a:endParaRPr lang="en-US"/>
           </a:p>
@@ -1360,7 +1360,7 @@
             <a:fld id="{3CADBD16-5BFB-4D9F-9646-C75D1B53BBB6}" type="datetimeFigureOut">
               <a:rPr lang="en-US" smtClean="0"/>
               <a:pPr/>
-              <a:t>6/16/23</a:t>
+              <a:t>7/24/23</a:t>
             </a:fld>
             <a:endParaRPr lang="en-US" dirty="0"/>
           </a:p>
@@ -1542,7 +1542,7 @@
             <a:fld id="{3CADBD16-5BFB-4D9F-9646-C75D1B53BBB6}" type="datetimeFigureOut">
               <a:rPr lang="en-US" smtClean="0"/>
               <a:pPr/>
-              <a:t>6/16/23</a:t>
+              <a:t>7/24/23</a:t>
             </a:fld>
             <a:endParaRPr lang="en-US" dirty="0"/>
           </a:p>
@@ -1714,7 +1714,7 @@
             <a:fld id="{3CADBD16-5BFB-4D9F-9646-C75D1B53BBB6}" type="datetimeFigureOut">
               <a:rPr lang="en-US" smtClean="0"/>
               <a:pPr/>
-              <a:t>6/16/23</a:t>
+              <a:t>7/24/23</a:t>
             </a:fld>
             <a:endParaRPr lang="en-US" dirty="0"/>
           </a:p>
@@ -2036,7 +2036,7 @@
           <a:p>
             <a:fld id="{3CADBD16-5BFB-4D9F-9646-C75D1B53BBB6}" type="datetimeFigureOut">
               <a:rPr lang="en-US" smtClean="0"/>
-              <a:t>6/16/23</a:t>
+              <a:t>7/24/23</a:t>
             </a:fld>
             <a:endParaRPr lang="en-US"/>
           </a:p>
@@ -2497,7 +2497,7 @@
             <a:fld id="{3CADBD16-5BFB-4D9F-9646-C75D1B53BBB6}" type="datetimeFigureOut">
               <a:rPr lang="en-US" smtClean="0"/>
               <a:pPr/>
-              <a:t>6/16/23</a:t>
+              <a:t>7/24/23</a:t>
             </a:fld>
             <a:endParaRPr lang="en-US" dirty="0"/>
           </a:p>
@@ -2910,7 +2910,7 @@
             <a:fld id="{3CADBD16-5BFB-4D9F-9646-C75D1B53BBB6}" type="datetimeFigureOut">
               <a:rPr lang="en-US" smtClean="0"/>
               <a:pPr/>
-              <a:t>6/16/23</a:t>
+              <a:t>7/24/23</a:t>
             </a:fld>
             <a:endParaRPr lang="en-US" dirty="0"/>
           </a:p>
@@ -3029,7 +3029,7 @@
           <a:p>
             <a:fld id="{3CADBD16-5BFB-4D9F-9646-C75D1B53BBB6}" type="datetimeFigureOut">
               <a:rPr lang="en-US" smtClean="0"/>
-              <a:t>6/16/23</a:t>
+              <a:t>7/24/23</a:t>
             </a:fld>
             <a:endParaRPr lang="en-US"/>
           </a:p>
@@ -3146,7 +3146,7 @@
           <a:p>
             <a:fld id="{3CADBD16-5BFB-4D9F-9646-C75D1B53BBB6}" type="datetimeFigureOut">
               <a:rPr lang="en-US" smtClean="0"/>
-              <a:t>6/16/23</a:t>
+              <a:t>7/24/23</a:t>
             </a:fld>
             <a:endParaRPr lang="en-US"/>
           </a:p>
@@ -3505,7 +3505,7 @@
             <a:fld id="{3CADBD16-5BFB-4D9F-9646-C75D1B53BBB6}" type="datetimeFigureOut">
               <a:rPr lang="en-US" smtClean="0"/>
               <a:pPr/>
-              <a:t>6/16/23</a:t>
+              <a:t>7/24/23</a:t>
             </a:fld>
             <a:endParaRPr lang="en-US" dirty="0"/>
           </a:p>
@@ -4014,7 +4014,7 @@
             <a:fld id="{3CADBD16-5BFB-4D9F-9646-C75D1B53BBB6}" type="datetimeFigureOut">
               <a:rPr lang="en-US" smtClean="0"/>
               <a:pPr/>
-              <a:t>6/16/23</a:t>
+              <a:t>7/24/23</a:t>
             </a:fld>
             <a:endParaRPr lang="en-US" dirty="0"/>
           </a:p>
@@ -4371,7 +4371,7 @@
             <a:fld id="{3CADBD16-5BFB-4D9F-9646-C75D1B53BBB6}" type="datetimeFigureOut">
               <a:rPr lang="en-US" smtClean="0"/>
               <a:pPr/>
-              <a:t>6/16/23</a:t>
+              <a:t>7/24/23</a:t>
             </a:fld>
             <a:endParaRPr lang="en-US" dirty="0"/>
           </a:p>
@@ -5160,7 +5160,7 @@
           <a:p>
             <a:r>
               <a:rPr lang="en-US" dirty="0"/>
-              <a:t>Lecture 5: Distributional Semantics</a:t>
+              <a:t>Lecture 6: Distributional Semantics</a:t>
             </a:r>
           </a:p>
         </p:txBody>
@@ -10218,8 +10218,8 @@
           <a:chExt cx="0" cy="0"/>
         </a:xfrm>
       </p:grpSpPr>
-      <mc:AlternateContent xmlns:mc="http://schemas.openxmlformats.org/markup-compatibility/2006">
-        <mc:Choice xmlns:a14="http://schemas.microsoft.com/office/drawing/2010/main" Requires="a14">
+      <mc:AlternateContent xmlns:mc="http://schemas.openxmlformats.org/markup-compatibility/2006" xmlns:a14="http://schemas.microsoft.com/office/drawing/2010/main">
+        <mc:Choice Requires="a14">
           <p:sp>
             <p:nvSpPr>
               <p:cNvPr id="3" name="Content Placeholder 2">
@@ -11728,7 +11728,7 @@
             </p:txBody>
           </p:sp>
         </mc:Choice>
-        <mc:Fallback>
+        <mc:Fallback xmlns="">
           <p:sp>
             <p:nvSpPr>
               <p:cNvPr id="3" name="Content Placeholder 2">

--- a/Summer2023/BUS243/lecture_note/lecture6.pptx
+++ b/Summer2023/BUS243/lecture_note/lecture6.pptx
@@ -5,7 +5,7 @@
     <p:sldMasterId id="2147483871" r:id="rId1"/>
   </p:sldMasterIdLst>
   <p:notesMasterIdLst>
-    <p:notesMasterId r:id="rId36"/>
+    <p:notesMasterId r:id="rId37"/>
   </p:notesMasterIdLst>
   <p:sldIdLst>
     <p:sldId id="256" r:id="rId2"/>
@@ -14,34 +14,35 @@
     <p:sldId id="1782" r:id="rId5"/>
     <p:sldId id="350" r:id="rId6"/>
     <p:sldId id="1783" r:id="rId7"/>
-    <p:sldId id="352" r:id="rId8"/>
-    <p:sldId id="1784" r:id="rId9"/>
-    <p:sldId id="259" r:id="rId10"/>
-    <p:sldId id="354" r:id="rId11"/>
-    <p:sldId id="355" r:id="rId12"/>
-    <p:sldId id="356" r:id="rId13"/>
-    <p:sldId id="1785" r:id="rId14"/>
-    <p:sldId id="1786" r:id="rId15"/>
-    <p:sldId id="357" r:id="rId16"/>
-    <p:sldId id="358" r:id="rId17"/>
-    <p:sldId id="359" r:id="rId18"/>
-    <p:sldId id="363" r:id="rId19"/>
-    <p:sldId id="365" r:id="rId20"/>
-    <p:sldId id="1788" r:id="rId21"/>
-    <p:sldId id="1789" r:id="rId22"/>
-    <p:sldId id="367" r:id="rId23"/>
-    <p:sldId id="1791" r:id="rId24"/>
-    <p:sldId id="1792" r:id="rId25"/>
-    <p:sldId id="1794" r:id="rId26"/>
-    <p:sldId id="1795" r:id="rId27"/>
-    <p:sldId id="1796" r:id="rId28"/>
-    <p:sldId id="1778" r:id="rId29"/>
-    <p:sldId id="1780" r:id="rId30"/>
-    <p:sldId id="1779" r:id="rId31"/>
-    <p:sldId id="1781" r:id="rId32"/>
-    <p:sldId id="360" r:id="rId33"/>
-    <p:sldId id="1776" r:id="rId34"/>
-    <p:sldId id="1797" r:id="rId35"/>
+    <p:sldId id="1798" r:id="rId8"/>
+    <p:sldId id="352" r:id="rId9"/>
+    <p:sldId id="1784" r:id="rId10"/>
+    <p:sldId id="259" r:id="rId11"/>
+    <p:sldId id="354" r:id="rId12"/>
+    <p:sldId id="355" r:id="rId13"/>
+    <p:sldId id="356" r:id="rId14"/>
+    <p:sldId id="1785" r:id="rId15"/>
+    <p:sldId id="1786" r:id="rId16"/>
+    <p:sldId id="357" r:id="rId17"/>
+    <p:sldId id="358" r:id="rId18"/>
+    <p:sldId id="359" r:id="rId19"/>
+    <p:sldId id="363" r:id="rId20"/>
+    <p:sldId id="365" r:id="rId21"/>
+    <p:sldId id="1788" r:id="rId22"/>
+    <p:sldId id="1789" r:id="rId23"/>
+    <p:sldId id="367" r:id="rId24"/>
+    <p:sldId id="1791" r:id="rId25"/>
+    <p:sldId id="1792" r:id="rId26"/>
+    <p:sldId id="1794" r:id="rId27"/>
+    <p:sldId id="1795" r:id="rId28"/>
+    <p:sldId id="1796" r:id="rId29"/>
+    <p:sldId id="1778" r:id="rId30"/>
+    <p:sldId id="1780" r:id="rId31"/>
+    <p:sldId id="1779" r:id="rId32"/>
+    <p:sldId id="1781" r:id="rId33"/>
+    <p:sldId id="360" r:id="rId34"/>
+    <p:sldId id="1776" r:id="rId35"/>
+    <p:sldId id="1797" r:id="rId36"/>
   </p:sldIdLst>
   <p:sldSz cx="12192000" cy="6858000"/>
   <p:notesSz cx="6858000" cy="9144000"/>
@@ -230,7 +231,7 @@
           <a:p>
             <a:fld id="{38735C86-593D-1749-A2DA-368BAAB8EE94}" type="datetimeFigureOut">
               <a:rPr lang="en-US" smtClean="0"/>
-              <a:t>7/25/23</a:t>
+              <a:t>7/26/23</a:t>
             </a:fld>
             <a:endParaRPr lang="en-US"/>
           </a:p>
@@ -664,7 +665,7 @@
             <a:fld id="{EE707532-839C-41A2-9E71-D5288AEAE66A}" type="slidenum">
               <a:rPr lang="en-US" smtClean="0"/>
               <a:pPr/>
-              <a:t>25</a:t>
+              <a:t>26</a:t>
             </a:fld>
             <a:endParaRPr lang="en-US"/>
           </a:p>
@@ -1184,7 +1185,7 @@
           <a:p>
             <a:fld id="{3CADBD16-5BFB-4D9F-9646-C75D1B53BBB6}" type="datetimeFigureOut">
               <a:rPr lang="en-US" smtClean="0"/>
-              <a:t>7/25/23</a:t>
+              <a:t>7/26/23</a:t>
             </a:fld>
             <a:endParaRPr lang="en-US"/>
           </a:p>
@@ -1362,7 +1363,7 @@
             <a:fld id="{3CADBD16-5BFB-4D9F-9646-C75D1B53BBB6}" type="datetimeFigureOut">
               <a:rPr lang="en-US" smtClean="0"/>
               <a:pPr/>
-              <a:t>7/25/23</a:t>
+              <a:t>7/26/23</a:t>
             </a:fld>
             <a:endParaRPr lang="en-US" dirty="0"/>
           </a:p>
@@ -1544,7 +1545,7 @@
             <a:fld id="{3CADBD16-5BFB-4D9F-9646-C75D1B53BBB6}" type="datetimeFigureOut">
               <a:rPr lang="en-US" smtClean="0"/>
               <a:pPr/>
-              <a:t>7/25/23</a:t>
+              <a:t>7/26/23</a:t>
             </a:fld>
             <a:endParaRPr lang="en-US" dirty="0"/>
           </a:p>
@@ -1716,7 +1717,7 @@
             <a:fld id="{3CADBD16-5BFB-4D9F-9646-C75D1B53BBB6}" type="datetimeFigureOut">
               <a:rPr lang="en-US" smtClean="0"/>
               <a:pPr/>
-              <a:t>7/25/23</a:t>
+              <a:t>7/26/23</a:t>
             </a:fld>
             <a:endParaRPr lang="en-US" dirty="0"/>
           </a:p>
@@ -2038,7 +2039,7 @@
           <a:p>
             <a:fld id="{3CADBD16-5BFB-4D9F-9646-C75D1B53BBB6}" type="datetimeFigureOut">
               <a:rPr lang="en-US" smtClean="0"/>
-              <a:t>7/25/23</a:t>
+              <a:t>7/26/23</a:t>
             </a:fld>
             <a:endParaRPr lang="en-US"/>
           </a:p>
@@ -2499,7 +2500,7 @@
             <a:fld id="{3CADBD16-5BFB-4D9F-9646-C75D1B53BBB6}" type="datetimeFigureOut">
               <a:rPr lang="en-US" smtClean="0"/>
               <a:pPr/>
-              <a:t>7/25/23</a:t>
+              <a:t>7/26/23</a:t>
             </a:fld>
             <a:endParaRPr lang="en-US" dirty="0"/>
           </a:p>
@@ -2912,7 +2913,7 @@
             <a:fld id="{3CADBD16-5BFB-4D9F-9646-C75D1B53BBB6}" type="datetimeFigureOut">
               <a:rPr lang="en-US" smtClean="0"/>
               <a:pPr/>
-              <a:t>7/25/23</a:t>
+              <a:t>7/26/23</a:t>
             </a:fld>
             <a:endParaRPr lang="en-US" dirty="0"/>
           </a:p>
@@ -3031,7 +3032,7 @@
           <a:p>
             <a:fld id="{3CADBD16-5BFB-4D9F-9646-C75D1B53BBB6}" type="datetimeFigureOut">
               <a:rPr lang="en-US" smtClean="0"/>
-              <a:t>7/25/23</a:t>
+              <a:t>7/26/23</a:t>
             </a:fld>
             <a:endParaRPr lang="en-US"/>
           </a:p>
@@ -3148,7 +3149,7 @@
           <a:p>
             <a:fld id="{3CADBD16-5BFB-4D9F-9646-C75D1B53BBB6}" type="datetimeFigureOut">
               <a:rPr lang="en-US" smtClean="0"/>
-              <a:t>7/25/23</a:t>
+              <a:t>7/26/23</a:t>
             </a:fld>
             <a:endParaRPr lang="en-US"/>
           </a:p>
@@ -3507,7 +3508,7 @@
             <a:fld id="{3CADBD16-5BFB-4D9F-9646-C75D1B53BBB6}" type="datetimeFigureOut">
               <a:rPr lang="en-US" smtClean="0"/>
               <a:pPr/>
-              <a:t>7/25/23</a:t>
+              <a:t>7/26/23</a:t>
             </a:fld>
             <a:endParaRPr lang="en-US" dirty="0"/>
           </a:p>
@@ -4016,7 +4017,7 @@
             <a:fld id="{3CADBD16-5BFB-4D9F-9646-C75D1B53BBB6}" type="datetimeFigureOut">
               <a:rPr lang="en-US" smtClean="0"/>
               <a:pPr/>
-              <a:t>7/25/23</a:t>
+              <a:t>7/26/23</a:t>
             </a:fld>
             <a:endParaRPr lang="en-US" dirty="0"/>
           </a:p>
@@ -4373,7 +4374,7 @@
             <a:fld id="{3CADBD16-5BFB-4D9F-9646-C75D1B53BBB6}" type="datetimeFigureOut">
               <a:rPr lang="en-US" smtClean="0"/>
               <a:pPr/>
-              <a:t>7/25/23</a:t>
+              <a:t>7/26/23</a:t>
             </a:fld>
             <a:endParaRPr lang="en-US" dirty="0"/>
           </a:p>
@@ -5561,6 +5562,452 @@
           <p:cNvPr id="2" name="Title 1">
             <a:extLst>
               <a:ext uri="{FF2B5EF4-FFF2-40B4-BE49-F238E27FC236}">
+                <a16:creationId xmlns:a16="http://schemas.microsoft.com/office/drawing/2014/main" id="{F00F2026-5359-5507-8C27-A8B58E4B2FB6}"/>
+              </a:ext>
+            </a:extLst>
+          </p:cNvPr>
+          <p:cNvSpPr>
+            <a:spLocks noGrp="1"/>
+          </p:cNvSpPr>
+          <p:nvPr>
+            <p:ph type="title"/>
+          </p:nvPr>
+        </p:nvSpPr>
+        <p:spPr/>
+        <p:txBody>
+          <a:bodyPr>
+            <a:normAutofit/>
+          </a:bodyPr>
+          <a:lstStyle/>
+          <a:p>
+            <a:r>
+              <a:rPr lang="en-US" sz="4000" b="1" dirty="0"/>
+              <a:t>Discreteness of language</a:t>
+            </a:r>
+          </a:p>
+        </p:txBody>
+      </p:sp>
+      <p:sp>
+        <p:nvSpPr>
+          <p:cNvPr id="3" name="Content Placeholder 2">
+            <a:extLst>
+              <a:ext uri="{FF2B5EF4-FFF2-40B4-BE49-F238E27FC236}">
+                <a16:creationId xmlns:a16="http://schemas.microsoft.com/office/drawing/2014/main" id="{0D1613C0-1027-B706-DF69-13655DE7F281}"/>
+              </a:ext>
+            </a:extLst>
+          </p:cNvPr>
+          <p:cNvSpPr>
+            <a:spLocks noGrp="1"/>
+          </p:cNvSpPr>
+          <p:nvPr>
+            <p:ph idx="1"/>
+          </p:nvPr>
+        </p:nvSpPr>
+        <p:spPr/>
+        <p:txBody>
+          <a:bodyPr>
+            <a:noAutofit/>
+          </a:bodyPr>
+          <a:lstStyle/>
+          <a:p>
+            <a:pPr>
+              <a:lnSpc>
+                <a:spcPct val="150000"/>
+              </a:lnSpc>
+            </a:pPr>
+            <a:r>
+              <a:rPr lang="en-US" sz="2400" dirty="0"/>
+              <a:t>Consider one dim vector: scalar</a:t>
+            </a:r>
+          </a:p>
+          <a:p>
+            <a:pPr>
+              <a:lnSpc>
+                <a:spcPct val="150000"/>
+              </a:lnSpc>
+            </a:pPr>
+            <a:r>
+              <a:rPr lang="en-US" sz="2400" dirty="0"/>
+              <a:t>Let’s assign indices:</a:t>
+            </a:r>
+          </a:p>
+          <a:p>
+            <a:pPr lvl="1">
+              <a:lnSpc>
+                <a:spcPct val="150000"/>
+              </a:lnSpc>
+            </a:pPr>
+            <a:r>
+              <a:rPr lang="en-US" sz="2000" dirty="0"/>
+              <a:t>Index(“cat”) = 1</a:t>
+            </a:r>
+          </a:p>
+          <a:p>
+            <a:pPr lvl="1">
+              <a:lnSpc>
+                <a:spcPct val="150000"/>
+              </a:lnSpc>
+            </a:pPr>
+            <a:r>
+              <a:rPr lang="en-US" sz="2000" dirty="0"/>
+              <a:t>Index(“dog”) = 2</a:t>
+            </a:r>
+          </a:p>
+          <a:p>
+            <a:pPr lvl="1">
+              <a:lnSpc>
+                <a:spcPct val="150000"/>
+              </a:lnSpc>
+            </a:pPr>
+            <a:r>
+              <a:rPr lang="en-US" sz="2000" dirty="0"/>
+              <a:t>Index(“pizza”) = 3</a:t>
+            </a:r>
+          </a:p>
+          <a:p>
+            <a:pPr>
+              <a:lnSpc>
+                <a:spcPct val="150000"/>
+              </a:lnSpc>
+            </a:pPr>
+            <a:r>
+              <a:rPr lang="en-US" sz="2400" dirty="0"/>
+              <a:t>But this method isn’t any better than dealing with raw words	</a:t>
+            </a:r>
+          </a:p>
+          <a:p>
+            <a:pPr lvl="1">
+              <a:lnSpc>
+                <a:spcPct val="150000"/>
+              </a:lnSpc>
+            </a:pPr>
+            <a:endParaRPr lang="en-US" sz="2000" dirty="0"/>
+          </a:p>
+        </p:txBody>
+      </p:sp>
+    </p:spTree>
+    <p:extLst>
+      <p:ext uri="{BB962C8B-B14F-4D97-AF65-F5344CB8AC3E}">
+        <p14:creationId xmlns:p14="http://schemas.microsoft.com/office/powerpoint/2010/main" val="1965692552"/>
+      </p:ext>
+    </p:extLst>
+  </p:cSld>
+  <p:clrMapOvr>
+    <a:masterClrMapping/>
+  </p:clrMapOvr>
+  <p:timing>
+    <p:tnLst>
+      <p:par>
+        <p:cTn id="1" dur="indefinite" restart="never" nodeType="tmRoot">
+          <p:childTnLst>
+            <p:seq concurrent="1" nextAc="seek">
+              <p:cTn id="2" dur="indefinite" nodeType="mainSeq">
+                <p:childTnLst>
+                  <p:par>
+                    <p:cTn id="3" fill="hold">
+                      <p:stCondLst>
+                        <p:cond delay="indefinite"/>
+                      </p:stCondLst>
+                      <p:childTnLst>
+                        <p:par>
+                          <p:cTn id="4" fill="hold">
+                            <p:stCondLst>
+                              <p:cond delay="0"/>
+                            </p:stCondLst>
+                            <p:childTnLst>
+                              <p:par>
+                                <p:cTn id="5" presetID="1" presetClass="entr" presetSubtype="0" fill="hold" nodeType="clickEffect">
+                                  <p:stCondLst>
+                                    <p:cond delay="0"/>
+                                  </p:stCondLst>
+                                  <p:childTnLst>
+                                    <p:set>
+                                      <p:cBhvr>
+                                        <p:cTn id="6" dur="1" fill="hold">
+                                          <p:stCondLst>
+                                            <p:cond delay="0"/>
+                                          </p:stCondLst>
+                                        </p:cTn>
+                                        <p:tgtEl>
+                                          <p:spTgt spid="3">
+                                            <p:txEl>
+                                              <p:pRg st="0" end="0"/>
+                                            </p:txEl>
+                                          </p:spTgt>
+                                        </p:tgtEl>
+                                        <p:attrNameLst>
+                                          <p:attrName>style.visibility</p:attrName>
+                                        </p:attrNameLst>
+                                      </p:cBhvr>
+                                      <p:to>
+                                        <p:strVal val="visible"/>
+                                      </p:to>
+                                    </p:set>
+                                  </p:childTnLst>
+                                </p:cTn>
+                              </p:par>
+                            </p:childTnLst>
+                          </p:cTn>
+                        </p:par>
+                      </p:childTnLst>
+                    </p:cTn>
+                  </p:par>
+                  <p:par>
+                    <p:cTn id="7" fill="hold">
+                      <p:stCondLst>
+                        <p:cond delay="indefinite"/>
+                      </p:stCondLst>
+                      <p:childTnLst>
+                        <p:par>
+                          <p:cTn id="8" fill="hold">
+                            <p:stCondLst>
+                              <p:cond delay="0"/>
+                            </p:stCondLst>
+                            <p:childTnLst>
+                              <p:par>
+                                <p:cTn id="9" presetID="1" presetClass="entr" presetSubtype="0" fill="hold" nodeType="clickEffect">
+                                  <p:stCondLst>
+                                    <p:cond delay="0"/>
+                                  </p:stCondLst>
+                                  <p:childTnLst>
+                                    <p:set>
+                                      <p:cBhvr>
+                                        <p:cTn id="10" dur="1" fill="hold">
+                                          <p:stCondLst>
+                                            <p:cond delay="0"/>
+                                          </p:stCondLst>
+                                        </p:cTn>
+                                        <p:tgtEl>
+                                          <p:spTgt spid="3">
+                                            <p:txEl>
+                                              <p:pRg st="1" end="1"/>
+                                            </p:txEl>
+                                          </p:spTgt>
+                                        </p:tgtEl>
+                                        <p:attrNameLst>
+                                          <p:attrName>style.visibility</p:attrName>
+                                        </p:attrNameLst>
+                                      </p:cBhvr>
+                                      <p:to>
+                                        <p:strVal val="visible"/>
+                                      </p:to>
+                                    </p:set>
+                                  </p:childTnLst>
+                                </p:cTn>
+                              </p:par>
+                            </p:childTnLst>
+                          </p:cTn>
+                        </p:par>
+                      </p:childTnLst>
+                    </p:cTn>
+                  </p:par>
+                  <p:par>
+                    <p:cTn id="11" fill="hold">
+                      <p:stCondLst>
+                        <p:cond delay="indefinite"/>
+                      </p:stCondLst>
+                      <p:childTnLst>
+                        <p:par>
+                          <p:cTn id="12" fill="hold">
+                            <p:stCondLst>
+                              <p:cond delay="0"/>
+                            </p:stCondLst>
+                            <p:childTnLst>
+                              <p:par>
+                                <p:cTn id="13" presetID="1" presetClass="entr" presetSubtype="0" fill="hold" nodeType="clickEffect">
+                                  <p:stCondLst>
+                                    <p:cond delay="0"/>
+                                  </p:stCondLst>
+                                  <p:childTnLst>
+                                    <p:set>
+                                      <p:cBhvr>
+                                        <p:cTn id="14" dur="1" fill="hold">
+                                          <p:stCondLst>
+                                            <p:cond delay="0"/>
+                                          </p:stCondLst>
+                                        </p:cTn>
+                                        <p:tgtEl>
+                                          <p:spTgt spid="3">
+                                            <p:txEl>
+                                              <p:pRg st="2" end="2"/>
+                                            </p:txEl>
+                                          </p:spTgt>
+                                        </p:tgtEl>
+                                        <p:attrNameLst>
+                                          <p:attrName>style.visibility</p:attrName>
+                                        </p:attrNameLst>
+                                      </p:cBhvr>
+                                      <p:to>
+                                        <p:strVal val="visible"/>
+                                      </p:to>
+                                    </p:set>
+                                  </p:childTnLst>
+                                </p:cTn>
+                              </p:par>
+                              <p:par>
+                                <p:cTn id="15" presetID="1" presetClass="entr" presetSubtype="0" fill="hold" nodeType="withEffect">
+                                  <p:stCondLst>
+                                    <p:cond delay="0"/>
+                                  </p:stCondLst>
+                                  <p:childTnLst>
+                                    <p:set>
+                                      <p:cBhvr>
+                                        <p:cTn id="16" dur="1" fill="hold">
+                                          <p:stCondLst>
+                                            <p:cond delay="0"/>
+                                          </p:stCondLst>
+                                        </p:cTn>
+                                        <p:tgtEl>
+                                          <p:spTgt spid="3">
+                                            <p:txEl>
+                                              <p:pRg st="3" end="3"/>
+                                            </p:txEl>
+                                          </p:spTgt>
+                                        </p:tgtEl>
+                                        <p:attrNameLst>
+                                          <p:attrName>style.visibility</p:attrName>
+                                        </p:attrNameLst>
+                                      </p:cBhvr>
+                                      <p:to>
+                                        <p:strVal val="visible"/>
+                                      </p:to>
+                                    </p:set>
+                                  </p:childTnLst>
+                                </p:cTn>
+                              </p:par>
+                              <p:par>
+                                <p:cTn id="17" presetID="1" presetClass="entr" presetSubtype="0" fill="hold" nodeType="withEffect">
+                                  <p:stCondLst>
+                                    <p:cond delay="0"/>
+                                  </p:stCondLst>
+                                  <p:childTnLst>
+                                    <p:set>
+                                      <p:cBhvr>
+                                        <p:cTn id="18" dur="1" fill="hold">
+                                          <p:stCondLst>
+                                            <p:cond delay="0"/>
+                                          </p:stCondLst>
+                                        </p:cTn>
+                                        <p:tgtEl>
+                                          <p:spTgt spid="3">
+                                            <p:txEl>
+                                              <p:pRg st="4" end="4"/>
+                                            </p:txEl>
+                                          </p:spTgt>
+                                        </p:tgtEl>
+                                        <p:attrNameLst>
+                                          <p:attrName>style.visibility</p:attrName>
+                                        </p:attrNameLst>
+                                      </p:cBhvr>
+                                      <p:to>
+                                        <p:strVal val="visible"/>
+                                      </p:to>
+                                    </p:set>
+                                  </p:childTnLst>
+                                </p:cTn>
+                              </p:par>
+                            </p:childTnLst>
+                          </p:cTn>
+                        </p:par>
+                      </p:childTnLst>
+                    </p:cTn>
+                  </p:par>
+                  <p:par>
+                    <p:cTn id="19" fill="hold">
+                      <p:stCondLst>
+                        <p:cond delay="indefinite"/>
+                      </p:stCondLst>
+                      <p:childTnLst>
+                        <p:par>
+                          <p:cTn id="20" fill="hold">
+                            <p:stCondLst>
+                              <p:cond delay="0"/>
+                            </p:stCondLst>
+                            <p:childTnLst>
+                              <p:par>
+                                <p:cTn id="21" presetID="1" presetClass="entr" presetSubtype="0" fill="hold" nodeType="clickEffect">
+                                  <p:stCondLst>
+                                    <p:cond delay="0"/>
+                                  </p:stCondLst>
+                                  <p:childTnLst>
+                                    <p:set>
+                                      <p:cBhvr>
+                                        <p:cTn id="22" dur="1" fill="hold">
+                                          <p:stCondLst>
+                                            <p:cond delay="0"/>
+                                          </p:stCondLst>
+                                        </p:cTn>
+                                        <p:tgtEl>
+                                          <p:spTgt spid="3">
+                                            <p:txEl>
+                                              <p:pRg st="5" end="5"/>
+                                            </p:txEl>
+                                          </p:spTgt>
+                                        </p:tgtEl>
+                                        <p:attrNameLst>
+                                          <p:attrName>style.visibility</p:attrName>
+                                        </p:attrNameLst>
+                                      </p:cBhvr>
+                                      <p:to>
+                                        <p:strVal val="visible"/>
+                                      </p:to>
+                                    </p:set>
+                                  </p:childTnLst>
+                                </p:cTn>
+                              </p:par>
+                            </p:childTnLst>
+                          </p:cTn>
+                        </p:par>
+                      </p:childTnLst>
+                    </p:cTn>
+                  </p:par>
+                </p:childTnLst>
+              </p:cTn>
+              <p:prevCondLst>
+                <p:cond evt="onPrev" delay="0">
+                  <p:tgtEl>
+                    <p:sldTgt/>
+                  </p:tgtEl>
+                </p:cond>
+              </p:prevCondLst>
+              <p:nextCondLst>
+                <p:cond evt="onNext" delay="0">
+                  <p:tgtEl>
+                    <p:sldTgt/>
+                  </p:tgtEl>
+                </p:cond>
+              </p:nextCondLst>
+            </p:seq>
+          </p:childTnLst>
+        </p:cTn>
+      </p:par>
+    </p:tnLst>
+  </p:timing>
+</p:sld>
+</file>
+
+<file path=ppt/slides/slide11.xml><?xml version="1.0" encoding="utf-8"?>
+<p:sld xmlns:a="http://schemas.openxmlformats.org/drawingml/2006/main" xmlns:r="http://schemas.openxmlformats.org/officeDocument/2006/relationships" xmlns:p="http://schemas.openxmlformats.org/presentationml/2006/main">
+  <p:cSld>
+    <p:spTree>
+      <p:nvGrpSpPr>
+        <p:cNvPr id="1" name=""/>
+        <p:cNvGrpSpPr/>
+        <p:nvPr/>
+      </p:nvGrpSpPr>
+      <p:grpSpPr>
+        <a:xfrm>
+          <a:off x="0" y="0"/>
+          <a:ext cx="0" cy="0"/>
+          <a:chOff x="0" y="0"/>
+          <a:chExt cx="0" cy="0"/>
+        </a:xfrm>
+      </p:grpSpPr>
+      <p:sp>
+        <p:nvSpPr>
+          <p:cNvPr id="2" name="Title 1">
+            <a:extLst>
+              <a:ext uri="{FF2B5EF4-FFF2-40B4-BE49-F238E27FC236}">
                 <a16:creationId xmlns:a16="http://schemas.microsoft.com/office/drawing/2014/main" id="{4813C7AA-01AB-576C-46FC-F2B7FD299FD7}"/>
               </a:ext>
             </a:extLst>
@@ -5931,7 +6378,7 @@
 </p:sld>
 </file>
 
-<file path=ppt/slides/slide11.xml><?xml version="1.0" encoding="utf-8"?>
+<file path=ppt/slides/slide12.xml><?xml version="1.0" encoding="utf-8"?>
 <p:sld xmlns:a="http://schemas.openxmlformats.org/drawingml/2006/main" xmlns:r="http://schemas.openxmlformats.org/officeDocument/2006/relationships" xmlns:p="http://schemas.openxmlformats.org/presentationml/2006/main">
   <p:cSld>
     <p:spTree>
@@ -6116,7 +6563,7 @@
 </p:sld>
 </file>
 
-<file path=ppt/slides/slide12.xml><?xml version="1.0" encoding="utf-8"?>
+<file path=ppt/slides/slide13.xml><?xml version="1.0" encoding="utf-8"?>
 <p:sld xmlns:a="http://schemas.openxmlformats.org/drawingml/2006/main" xmlns:r="http://schemas.openxmlformats.org/officeDocument/2006/relationships" xmlns:p="http://schemas.openxmlformats.org/presentationml/2006/main">
   <p:cSld>
     <p:spTree>
@@ -6614,7 +7061,7 @@
 </p:sld>
 </file>
 
-<file path=ppt/slides/slide13.xml><?xml version="1.0" encoding="utf-8"?>
+<file path=ppt/slides/slide14.xml><?xml version="1.0" encoding="utf-8"?>
 <p:sld xmlns:a="http://schemas.openxmlformats.org/drawingml/2006/main" xmlns:r="http://schemas.openxmlformats.org/officeDocument/2006/relationships" xmlns:p="http://schemas.openxmlformats.org/presentationml/2006/main">
   <p:cSld>
     <p:spTree>
@@ -7001,7 +7448,7 @@
 </p:sld>
 </file>
 
-<file path=ppt/slides/slide14.xml><?xml version="1.0" encoding="utf-8"?>
+<file path=ppt/slides/slide15.xml><?xml version="1.0" encoding="utf-8"?>
 <p:sld xmlns:a="http://schemas.openxmlformats.org/drawingml/2006/main" xmlns:r="http://schemas.openxmlformats.org/officeDocument/2006/relationships" xmlns:p="http://schemas.openxmlformats.org/presentationml/2006/main">
   <p:cSld>
     <p:spTree>
@@ -7111,7 +7558,7 @@
 </p:sld>
 </file>
 
-<file path=ppt/slides/slide15.xml><?xml version="1.0" encoding="utf-8"?>
+<file path=ppt/slides/slide16.xml><?xml version="1.0" encoding="utf-8"?>
 <p:sld xmlns:a="http://schemas.openxmlformats.org/drawingml/2006/main" xmlns:r="http://schemas.openxmlformats.org/officeDocument/2006/relationships" xmlns:p="http://schemas.openxmlformats.org/presentationml/2006/main">
   <p:cSld>
     <p:spTree>
@@ -7531,7 +7978,7 @@
 </p:sld>
 </file>
 
-<file path=ppt/slides/slide16.xml><?xml version="1.0" encoding="utf-8"?>
+<file path=ppt/slides/slide17.xml><?xml version="1.0" encoding="utf-8"?>
 <p:sld xmlns:a="http://schemas.openxmlformats.org/drawingml/2006/main" xmlns:r="http://schemas.openxmlformats.org/officeDocument/2006/relationships" xmlns:p="http://schemas.openxmlformats.org/presentationml/2006/main">
   <p:cSld>
     <p:spTree>
@@ -7635,7 +8082,7 @@
 </p:sld>
 </file>
 
-<file path=ppt/slides/slide17.xml><?xml version="1.0" encoding="utf-8"?>
+<file path=ppt/slides/slide18.xml><?xml version="1.0" encoding="utf-8"?>
 <p:sld xmlns:a="http://schemas.openxmlformats.org/drawingml/2006/main" xmlns:r="http://schemas.openxmlformats.org/officeDocument/2006/relationships" xmlns:p="http://schemas.openxmlformats.org/presentationml/2006/main">
   <p:cSld>
     <p:spTree>
@@ -7769,7 +8216,7 @@
 </p:sld>
 </file>
 
-<file path=ppt/slides/slide18.xml><?xml version="1.0" encoding="utf-8"?>
+<file path=ppt/slides/slide19.xml><?xml version="1.0" encoding="utf-8"?>
 <p:sld xmlns:a="http://schemas.openxmlformats.org/drawingml/2006/main" xmlns:r="http://schemas.openxmlformats.org/officeDocument/2006/relationships" xmlns:p="http://schemas.openxmlformats.org/presentationml/2006/main">
   <p:cSld>
     <p:spTree>
@@ -7954,125 +8401,6 @@
     <p:extLst>
       <p:ext uri="{BB962C8B-B14F-4D97-AF65-F5344CB8AC3E}">
         <p14:creationId xmlns:p14="http://schemas.microsoft.com/office/powerpoint/2010/main" val="2170102100"/>
-      </p:ext>
-    </p:extLst>
-  </p:cSld>
-  <p:clrMapOvr>
-    <a:masterClrMapping/>
-  </p:clrMapOvr>
-</p:sld>
-</file>
-
-<file path=ppt/slides/slide19.xml><?xml version="1.0" encoding="utf-8"?>
-<p:sld xmlns:a="http://schemas.openxmlformats.org/drawingml/2006/main" xmlns:r="http://schemas.openxmlformats.org/officeDocument/2006/relationships" xmlns:p="http://schemas.openxmlformats.org/presentationml/2006/main">
-  <p:cSld>
-    <p:spTree>
-      <p:nvGrpSpPr>
-        <p:cNvPr id="1" name=""/>
-        <p:cNvGrpSpPr/>
-        <p:nvPr/>
-      </p:nvGrpSpPr>
-      <p:grpSpPr>
-        <a:xfrm>
-          <a:off x="0" y="0"/>
-          <a:ext cx="0" cy="0"/>
-          <a:chOff x="0" y="0"/>
-          <a:chExt cx="0" cy="0"/>
-        </a:xfrm>
-      </p:grpSpPr>
-      <p:sp>
-        <p:nvSpPr>
-          <p:cNvPr id="2" name="Title 1">
-            <a:extLst>
-              <a:ext uri="{FF2B5EF4-FFF2-40B4-BE49-F238E27FC236}">
-                <a16:creationId xmlns:a16="http://schemas.microsoft.com/office/drawing/2014/main" id="{A4A8F0BF-AB3A-844A-3834-FB3D2CDBA635}"/>
-              </a:ext>
-            </a:extLst>
-          </p:cNvPr>
-          <p:cNvSpPr>
-            <a:spLocks noGrp="1"/>
-          </p:cNvSpPr>
-          <p:nvPr>
-            <p:ph type="title"/>
-          </p:nvPr>
-        </p:nvSpPr>
-        <p:spPr/>
-        <p:txBody>
-          <a:bodyPr/>
-          <a:lstStyle/>
-          <a:p>
-            <a:r>
-              <a:rPr lang="en-US" sz="4400" b="1" dirty="0"/>
-              <a:t>Let’s see what we want, first</a:t>
-            </a:r>
-          </a:p>
-        </p:txBody>
-      </p:sp>
-      <p:sp>
-        <p:nvSpPr>
-          <p:cNvPr id="3" name="Content Placeholder 2">
-            <a:extLst>
-              <a:ext uri="{FF2B5EF4-FFF2-40B4-BE49-F238E27FC236}">
-                <a16:creationId xmlns:a16="http://schemas.microsoft.com/office/drawing/2014/main" id="{61B6C93A-B930-E024-9E3C-B6B1C123CFF8}"/>
-              </a:ext>
-            </a:extLst>
-          </p:cNvPr>
-          <p:cNvSpPr>
-            <a:spLocks noGrp="1"/>
-          </p:cNvSpPr>
-          <p:nvPr>
-            <p:ph idx="1"/>
-          </p:nvPr>
-        </p:nvSpPr>
-        <p:spPr/>
-        <p:txBody>
-          <a:bodyPr/>
-          <a:lstStyle/>
-          <a:p>
-            <a:endParaRPr lang="en-US"/>
-          </a:p>
-        </p:txBody>
-      </p:sp>
-      <p:pic>
-        <p:nvPicPr>
-          <p:cNvPr id="4" name="Content Placeholder 4">
-            <a:extLst>
-              <a:ext uri="{FF2B5EF4-FFF2-40B4-BE49-F238E27FC236}">
-                <a16:creationId xmlns:a16="http://schemas.microsoft.com/office/drawing/2014/main" id="{3BFB8610-6FE9-F561-2AF9-BB9A27CCA3DC}"/>
-              </a:ext>
-            </a:extLst>
-          </p:cNvPr>
-          <p:cNvPicPr>
-            <a:picLocks noChangeAspect="1"/>
-          </p:cNvPicPr>
-          <p:nvPr/>
-        </p:nvPicPr>
-        <p:blipFill>
-          <a:blip r:embed="rId2">
-            <a:extLst>
-              <a:ext uri="{28A0092B-C50C-407E-A947-70E740481C1C}">
-                <a14:useLocalDpi xmlns:a14="http://schemas.microsoft.com/office/drawing/2010/main" val="0"/>
-              </a:ext>
-            </a:extLst>
-          </a:blip>
-          <a:stretch>
-            <a:fillRect/>
-          </a:stretch>
-        </p:blipFill>
-        <p:spPr>
-          <a:xfrm>
-            <a:off x="3121811" y="2002892"/>
-            <a:ext cx="5948378" cy="4126975"/>
-          </a:xfrm>
-          <a:prstGeom prst="rect">
-            <a:avLst/>
-          </a:prstGeom>
-        </p:spPr>
-      </p:pic>
-    </p:spTree>
-    <p:extLst>
-      <p:ext uri="{BB962C8B-B14F-4D97-AF65-F5344CB8AC3E}">
-        <p14:creationId xmlns:p14="http://schemas.microsoft.com/office/powerpoint/2010/main" val="1687730926"/>
       </p:ext>
     </p:extLst>
   </p:cSld>
@@ -8163,6 +8491,125 @@
           <p:cNvPr id="2" name="Title 1">
             <a:extLst>
               <a:ext uri="{FF2B5EF4-FFF2-40B4-BE49-F238E27FC236}">
+                <a16:creationId xmlns:a16="http://schemas.microsoft.com/office/drawing/2014/main" id="{A4A8F0BF-AB3A-844A-3834-FB3D2CDBA635}"/>
+              </a:ext>
+            </a:extLst>
+          </p:cNvPr>
+          <p:cNvSpPr>
+            <a:spLocks noGrp="1"/>
+          </p:cNvSpPr>
+          <p:nvPr>
+            <p:ph type="title"/>
+          </p:nvPr>
+        </p:nvSpPr>
+        <p:spPr/>
+        <p:txBody>
+          <a:bodyPr/>
+          <a:lstStyle/>
+          <a:p>
+            <a:r>
+              <a:rPr lang="en-US" sz="4400" b="1" dirty="0"/>
+              <a:t>Let’s see what we want, first</a:t>
+            </a:r>
+          </a:p>
+        </p:txBody>
+      </p:sp>
+      <p:sp>
+        <p:nvSpPr>
+          <p:cNvPr id="3" name="Content Placeholder 2">
+            <a:extLst>
+              <a:ext uri="{FF2B5EF4-FFF2-40B4-BE49-F238E27FC236}">
+                <a16:creationId xmlns:a16="http://schemas.microsoft.com/office/drawing/2014/main" id="{61B6C93A-B930-E024-9E3C-B6B1C123CFF8}"/>
+              </a:ext>
+            </a:extLst>
+          </p:cNvPr>
+          <p:cNvSpPr>
+            <a:spLocks noGrp="1"/>
+          </p:cNvSpPr>
+          <p:nvPr>
+            <p:ph idx="1"/>
+          </p:nvPr>
+        </p:nvSpPr>
+        <p:spPr/>
+        <p:txBody>
+          <a:bodyPr/>
+          <a:lstStyle/>
+          <a:p>
+            <a:endParaRPr lang="en-US"/>
+          </a:p>
+        </p:txBody>
+      </p:sp>
+      <p:pic>
+        <p:nvPicPr>
+          <p:cNvPr id="4" name="Content Placeholder 4">
+            <a:extLst>
+              <a:ext uri="{FF2B5EF4-FFF2-40B4-BE49-F238E27FC236}">
+                <a16:creationId xmlns:a16="http://schemas.microsoft.com/office/drawing/2014/main" id="{3BFB8610-6FE9-F561-2AF9-BB9A27CCA3DC}"/>
+              </a:ext>
+            </a:extLst>
+          </p:cNvPr>
+          <p:cNvPicPr>
+            <a:picLocks noChangeAspect="1"/>
+          </p:cNvPicPr>
+          <p:nvPr/>
+        </p:nvPicPr>
+        <p:blipFill>
+          <a:blip r:embed="rId2">
+            <a:extLst>
+              <a:ext uri="{28A0092B-C50C-407E-A947-70E740481C1C}">
+                <a14:useLocalDpi xmlns:a14="http://schemas.microsoft.com/office/drawing/2010/main" val="0"/>
+              </a:ext>
+            </a:extLst>
+          </a:blip>
+          <a:stretch>
+            <a:fillRect/>
+          </a:stretch>
+        </p:blipFill>
+        <p:spPr>
+          <a:xfrm>
+            <a:off x="3121811" y="2002892"/>
+            <a:ext cx="5948378" cy="4126975"/>
+          </a:xfrm>
+          <a:prstGeom prst="rect">
+            <a:avLst/>
+          </a:prstGeom>
+        </p:spPr>
+      </p:pic>
+    </p:spTree>
+    <p:extLst>
+      <p:ext uri="{BB962C8B-B14F-4D97-AF65-F5344CB8AC3E}">
+        <p14:creationId xmlns:p14="http://schemas.microsoft.com/office/powerpoint/2010/main" val="1687730926"/>
+      </p:ext>
+    </p:extLst>
+  </p:cSld>
+  <p:clrMapOvr>
+    <a:masterClrMapping/>
+  </p:clrMapOvr>
+</p:sld>
+</file>
+
+<file path=ppt/slides/slide21.xml><?xml version="1.0" encoding="utf-8"?>
+<p:sld xmlns:a="http://schemas.openxmlformats.org/drawingml/2006/main" xmlns:r="http://schemas.openxmlformats.org/officeDocument/2006/relationships" xmlns:p="http://schemas.openxmlformats.org/presentationml/2006/main">
+  <p:cSld>
+    <p:spTree>
+      <p:nvGrpSpPr>
+        <p:cNvPr id="1" name=""/>
+        <p:cNvGrpSpPr/>
+        <p:nvPr/>
+      </p:nvGrpSpPr>
+      <p:grpSpPr>
+        <a:xfrm>
+          <a:off x="0" y="0"/>
+          <a:ext cx="0" cy="0"/>
+          <a:chOff x="0" y="0"/>
+          <a:chExt cx="0" cy="0"/>
+        </a:xfrm>
+      </p:grpSpPr>
+      <p:sp>
+        <p:nvSpPr>
+          <p:cNvPr id="2" name="Title 1">
+            <a:extLst>
+              <a:ext uri="{FF2B5EF4-FFF2-40B4-BE49-F238E27FC236}">
                 <a16:creationId xmlns:a16="http://schemas.microsoft.com/office/drawing/2014/main" id="{07ABEFFD-69A5-BA24-0FAF-A5D2865D73AC}"/>
               </a:ext>
             </a:extLst>
@@ -8269,7 +8716,7 @@
 </p:sld>
 </file>
 
-<file path=ppt/slides/slide21.xml><?xml version="1.0" encoding="utf-8"?>
+<file path=ppt/slides/slide22.xml><?xml version="1.0" encoding="utf-8"?>
 <p:sld xmlns:a="http://schemas.openxmlformats.org/drawingml/2006/main" xmlns:r="http://schemas.openxmlformats.org/officeDocument/2006/relationships" xmlns:p="http://schemas.openxmlformats.org/presentationml/2006/main">
   <p:cSld>
     <p:spTree>
@@ -8440,7 +8887,7 @@
             </a:pPr>
             <a:r>
               <a:rPr lang="en-US" sz="2800" dirty="0"/>
-              <a:t>Trains a classifier for a candidate (word, context) pair</a:t>
+              <a:t>Train a classifier for a candidate (word, context) pair</a:t>
             </a:r>
           </a:p>
           <a:p>
@@ -8958,7 +9405,7 @@
 </p:sld>
 </file>
 
-<file path=ppt/slides/slide22.xml><?xml version="1.0" encoding="utf-8"?>
+<file path=ppt/slides/slide23.xml><?xml version="1.0" encoding="utf-8"?>
 <p:sld xmlns:a="http://schemas.openxmlformats.org/drawingml/2006/main" xmlns:r="http://schemas.openxmlformats.org/officeDocument/2006/relationships" xmlns:p="http://schemas.openxmlformats.org/presentationml/2006/main">
   <p:cSld>
     <p:spTree>
@@ -8975,8 +9422,8 @@
           <a:chExt cx="0" cy="0"/>
         </a:xfrm>
       </p:grpSpPr>
-      <mc:AlternateContent xmlns:mc="http://schemas.openxmlformats.org/markup-compatibility/2006">
-        <mc:Choice xmlns:a14="http://schemas.microsoft.com/office/drawing/2010/main" Requires="a14">
+      <mc:AlternateContent xmlns:mc="http://schemas.openxmlformats.org/markup-compatibility/2006" xmlns:a14="http://schemas.microsoft.com/office/drawing/2010/main">
+        <mc:Choice Requires="a14">
           <p:sp>
             <p:nvSpPr>
               <p:cNvPr id="3" name="Content Placeholder 2">
@@ -9616,7 +10063,7 @@
             </p:txBody>
           </p:sp>
         </mc:Choice>
-        <mc:Fallback>
+        <mc:Fallback xmlns="">
           <p:sp>
             <p:nvSpPr>
               <p:cNvPr id="3" name="Content Placeholder 2">
@@ -9997,7 +10444,7 @@
 </p:sld>
 </file>
 
-<file path=ppt/slides/slide23.xml><?xml version="1.0" encoding="utf-8"?>
+<file path=ppt/slides/slide24.xml><?xml version="1.0" encoding="utf-8"?>
 <p:sld xmlns:a="http://schemas.openxmlformats.org/drawingml/2006/main" xmlns:r="http://schemas.openxmlformats.org/officeDocument/2006/relationships" xmlns:p="http://schemas.openxmlformats.org/presentationml/2006/main">
   <p:cSld>
     <p:spTree>
@@ -10014,8 +10461,8 @@
           <a:chExt cx="0" cy="0"/>
         </a:xfrm>
       </p:grpSpPr>
-      <mc:AlternateContent xmlns:mc="http://schemas.openxmlformats.org/markup-compatibility/2006">
-        <mc:Choice xmlns:a14="http://schemas.microsoft.com/office/drawing/2010/main" Requires="a14">
+      <mc:AlternateContent xmlns:mc="http://schemas.openxmlformats.org/markup-compatibility/2006" xmlns:a14="http://schemas.microsoft.com/office/drawing/2010/main">
+        <mc:Choice Requires="a14">
           <p:sp>
             <p:nvSpPr>
               <p:cNvPr id="3" name="Content Placeholder 2">
@@ -10515,7 +10962,7 @@
             </p:txBody>
           </p:sp>
         </mc:Choice>
-        <mc:Fallback>
+        <mc:Fallback xmlns="">
           <p:sp>
             <p:nvSpPr>
               <p:cNvPr id="3" name="Content Placeholder 2">
@@ -10569,10 +11016,316 @@
   <p:clrMapOvr>
     <a:masterClrMapping/>
   </p:clrMapOvr>
+  <p:timing>
+    <p:tnLst>
+      <p:par>
+        <p:cTn id="1" dur="indefinite" restart="never" nodeType="tmRoot">
+          <p:childTnLst>
+            <p:seq concurrent="1" nextAc="seek">
+              <p:cTn id="2" dur="indefinite" nodeType="mainSeq">
+                <p:childTnLst>
+                  <p:par>
+                    <p:cTn id="3" fill="hold">
+                      <p:stCondLst>
+                        <p:cond delay="indefinite"/>
+                      </p:stCondLst>
+                      <p:childTnLst>
+                        <p:par>
+                          <p:cTn id="4" fill="hold">
+                            <p:stCondLst>
+                              <p:cond delay="0"/>
+                            </p:stCondLst>
+                            <p:childTnLst>
+                              <p:par>
+                                <p:cTn id="5" presetID="1" presetClass="entr" presetSubtype="0" fill="hold" nodeType="clickEffect">
+                                  <p:stCondLst>
+                                    <p:cond delay="0"/>
+                                  </p:stCondLst>
+                                  <p:childTnLst>
+                                    <p:set>
+                                      <p:cBhvr>
+                                        <p:cTn id="6" dur="1" fill="hold">
+                                          <p:stCondLst>
+                                            <p:cond delay="0"/>
+                                          </p:stCondLst>
+                                        </p:cTn>
+                                        <p:tgtEl>
+                                          <p:spTgt spid="3">
+                                            <p:txEl>
+                                              <p:pRg st="0" end="0"/>
+                                            </p:txEl>
+                                          </p:spTgt>
+                                        </p:tgtEl>
+                                        <p:attrNameLst>
+                                          <p:attrName>style.visibility</p:attrName>
+                                        </p:attrNameLst>
+                                      </p:cBhvr>
+                                      <p:to>
+                                        <p:strVal val="visible"/>
+                                      </p:to>
+                                    </p:set>
+                                  </p:childTnLst>
+                                </p:cTn>
+                              </p:par>
+                            </p:childTnLst>
+                          </p:cTn>
+                        </p:par>
+                      </p:childTnLst>
+                    </p:cTn>
+                  </p:par>
+                  <p:par>
+                    <p:cTn id="7" fill="hold">
+                      <p:stCondLst>
+                        <p:cond delay="indefinite"/>
+                      </p:stCondLst>
+                      <p:childTnLst>
+                        <p:par>
+                          <p:cTn id="8" fill="hold">
+                            <p:stCondLst>
+                              <p:cond delay="0"/>
+                            </p:stCondLst>
+                            <p:childTnLst>
+                              <p:par>
+                                <p:cTn id="9" presetID="1" presetClass="entr" presetSubtype="0" fill="hold" nodeType="clickEffect">
+                                  <p:stCondLst>
+                                    <p:cond delay="0"/>
+                                  </p:stCondLst>
+                                  <p:childTnLst>
+                                    <p:set>
+                                      <p:cBhvr>
+                                        <p:cTn id="10" dur="1" fill="hold">
+                                          <p:stCondLst>
+                                            <p:cond delay="0"/>
+                                          </p:stCondLst>
+                                        </p:cTn>
+                                        <p:tgtEl>
+                                          <p:spTgt spid="3">
+                                            <p:txEl>
+                                              <p:pRg st="1" end="1"/>
+                                            </p:txEl>
+                                          </p:spTgt>
+                                        </p:tgtEl>
+                                        <p:attrNameLst>
+                                          <p:attrName>style.visibility</p:attrName>
+                                        </p:attrNameLst>
+                                      </p:cBhvr>
+                                      <p:to>
+                                        <p:strVal val="visible"/>
+                                      </p:to>
+                                    </p:set>
+                                  </p:childTnLst>
+                                </p:cTn>
+                              </p:par>
+                            </p:childTnLst>
+                          </p:cTn>
+                        </p:par>
+                      </p:childTnLst>
+                    </p:cTn>
+                  </p:par>
+                  <p:par>
+                    <p:cTn id="11" fill="hold">
+                      <p:stCondLst>
+                        <p:cond delay="indefinite"/>
+                      </p:stCondLst>
+                      <p:childTnLst>
+                        <p:par>
+                          <p:cTn id="12" fill="hold">
+                            <p:stCondLst>
+                              <p:cond delay="0"/>
+                            </p:stCondLst>
+                            <p:childTnLst>
+                              <p:par>
+                                <p:cTn id="13" presetID="1" presetClass="entr" presetSubtype="0" fill="hold" nodeType="clickEffect">
+                                  <p:stCondLst>
+                                    <p:cond delay="0"/>
+                                  </p:stCondLst>
+                                  <p:childTnLst>
+                                    <p:set>
+                                      <p:cBhvr>
+                                        <p:cTn id="14" dur="1" fill="hold">
+                                          <p:stCondLst>
+                                            <p:cond delay="0"/>
+                                          </p:stCondLst>
+                                        </p:cTn>
+                                        <p:tgtEl>
+                                          <p:spTgt spid="3">
+                                            <p:txEl>
+                                              <p:pRg st="2" end="2"/>
+                                            </p:txEl>
+                                          </p:spTgt>
+                                        </p:tgtEl>
+                                        <p:attrNameLst>
+                                          <p:attrName>style.visibility</p:attrName>
+                                        </p:attrNameLst>
+                                      </p:cBhvr>
+                                      <p:to>
+                                        <p:strVal val="visible"/>
+                                      </p:to>
+                                    </p:set>
+                                  </p:childTnLst>
+                                </p:cTn>
+                              </p:par>
+                            </p:childTnLst>
+                          </p:cTn>
+                        </p:par>
+                      </p:childTnLst>
+                    </p:cTn>
+                  </p:par>
+                  <p:par>
+                    <p:cTn id="15" fill="hold">
+                      <p:stCondLst>
+                        <p:cond delay="indefinite"/>
+                      </p:stCondLst>
+                      <p:childTnLst>
+                        <p:par>
+                          <p:cTn id="16" fill="hold">
+                            <p:stCondLst>
+                              <p:cond delay="0"/>
+                            </p:stCondLst>
+                            <p:childTnLst>
+                              <p:par>
+                                <p:cTn id="17" presetID="1" presetClass="entr" presetSubtype="0" fill="hold" nodeType="clickEffect">
+                                  <p:stCondLst>
+                                    <p:cond delay="0"/>
+                                  </p:stCondLst>
+                                  <p:childTnLst>
+                                    <p:set>
+                                      <p:cBhvr>
+                                        <p:cTn id="18" dur="1" fill="hold">
+                                          <p:stCondLst>
+                                            <p:cond delay="0"/>
+                                          </p:stCondLst>
+                                        </p:cTn>
+                                        <p:tgtEl>
+                                          <p:spTgt spid="3">
+                                            <p:txEl>
+                                              <p:pRg st="3" end="3"/>
+                                            </p:txEl>
+                                          </p:spTgt>
+                                        </p:tgtEl>
+                                        <p:attrNameLst>
+                                          <p:attrName>style.visibility</p:attrName>
+                                        </p:attrNameLst>
+                                      </p:cBhvr>
+                                      <p:to>
+                                        <p:strVal val="visible"/>
+                                      </p:to>
+                                    </p:set>
+                                  </p:childTnLst>
+                                </p:cTn>
+                              </p:par>
+                            </p:childTnLst>
+                          </p:cTn>
+                        </p:par>
+                      </p:childTnLst>
+                    </p:cTn>
+                  </p:par>
+                  <p:par>
+                    <p:cTn id="19" fill="hold">
+                      <p:stCondLst>
+                        <p:cond delay="indefinite"/>
+                      </p:stCondLst>
+                      <p:childTnLst>
+                        <p:par>
+                          <p:cTn id="20" fill="hold">
+                            <p:stCondLst>
+                              <p:cond delay="0"/>
+                            </p:stCondLst>
+                            <p:childTnLst>
+                              <p:par>
+                                <p:cTn id="21" presetID="1" presetClass="entr" presetSubtype="0" fill="hold" nodeType="clickEffect">
+                                  <p:stCondLst>
+                                    <p:cond delay="0"/>
+                                  </p:stCondLst>
+                                  <p:childTnLst>
+                                    <p:set>
+                                      <p:cBhvr>
+                                        <p:cTn id="22" dur="1" fill="hold">
+                                          <p:stCondLst>
+                                            <p:cond delay="0"/>
+                                          </p:stCondLst>
+                                        </p:cTn>
+                                        <p:tgtEl>
+                                          <p:spTgt spid="3">
+                                            <p:txEl>
+                                              <p:pRg st="4" end="4"/>
+                                            </p:txEl>
+                                          </p:spTgt>
+                                        </p:tgtEl>
+                                        <p:attrNameLst>
+                                          <p:attrName>style.visibility</p:attrName>
+                                        </p:attrNameLst>
+                                      </p:cBhvr>
+                                      <p:to>
+                                        <p:strVal val="visible"/>
+                                      </p:to>
+                                    </p:set>
+                                  </p:childTnLst>
+                                </p:cTn>
+                              </p:par>
+                              <p:par>
+                                <p:cTn id="23" presetID="1" presetClass="entr" presetSubtype="0" fill="hold" nodeType="withEffect">
+                                  <p:stCondLst>
+                                    <p:cond delay="0"/>
+                                  </p:stCondLst>
+                                  <p:childTnLst>
+                                    <p:set>
+                                      <p:cBhvr>
+                                        <p:cTn id="24" dur="1" fill="hold">
+                                          <p:stCondLst>
+                                            <p:cond delay="0"/>
+                                          </p:stCondLst>
+                                        </p:cTn>
+                                        <p:tgtEl>
+                                          <p:spTgt spid="3">
+                                            <p:txEl>
+                                              <p:pRg st="5" end="5"/>
+                                            </p:txEl>
+                                          </p:spTgt>
+                                        </p:tgtEl>
+                                        <p:attrNameLst>
+                                          <p:attrName>style.visibility</p:attrName>
+                                        </p:attrNameLst>
+                                      </p:cBhvr>
+                                      <p:to>
+                                        <p:strVal val="visible"/>
+                                      </p:to>
+                                    </p:set>
+                                  </p:childTnLst>
+                                </p:cTn>
+                              </p:par>
+                            </p:childTnLst>
+                          </p:cTn>
+                        </p:par>
+                      </p:childTnLst>
+                    </p:cTn>
+                  </p:par>
+                </p:childTnLst>
+              </p:cTn>
+              <p:prevCondLst>
+                <p:cond evt="onPrev" delay="0">
+                  <p:tgtEl>
+                    <p:sldTgt/>
+                  </p:tgtEl>
+                </p:cond>
+              </p:prevCondLst>
+              <p:nextCondLst>
+                <p:cond evt="onNext" delay="0">
+                  <p:tgtEl>
+                    <p:sldTgt/>
+                  </p:tgtEl>
+                </p:cond>
+              </p:nextCondLst>
+            </p:seq>
+          </p:childTnLst>
+        </p:cTn>
+      </p:par>
+    </p:tnLst>
+  </p:timing>
 </p:sld>
 </file>
 
-<file path=ppt/slides/slide24.xml><?xml version="1.0" encoding="utf-8"?>
+<file path=ppt/slides/slide25.xml><?xml version="1.0" encoding="utf-8"?>
 <p:sld xmlns:a="http://schemas.openxmlformats.org/drawingml/2006/main" xmlns:r="http://schemas.openxmlformats.org/officeDocument/2006/relationships" xmlns:p="http://schemas.openxmlformats.org/presentationml/2006/main">
   <p:cSld>
     <p:spTree>
@@ -10737,6 +11490,17 @@
               <a:t>Sample words more than context words</a:t>
             </a:r>
           </a:p>
+          <a:p>
+            <a:pPr lvl="1">
+              <a:lnSpc>
+                <a:spcPct val="150000"/>
+              </a:lnSpc>
+            </a:pPr>
+            <a:r>
+              <a:rPr lang="en-US" sz="3000" dirty="0"/>
+              <a:t>Those words should be rare</a:t>
+            </a:r>
+          </a:p>
         </p:txBody>
       </p:sp>
     </p:spTree>
@@ -10749,10 +11513,363 @@
   <p:clrMapOvr>
     <a:masterClrMapping/>
   </p:clrMapOvr>
+  <p:timing>
+    <p:tnLst>
+      <p:par>
+        <p:cTn id="1" dur="indefinite" restart="never" nodeType="tmRoot">
+          <p:childTnLst>
+            <p:seq concurrent="1" nextAc="seek">
+              <p:cTn id="2" dur="indefinite" nodeType="mainSeq">
+                <p:childTnLst>
+                  <p:par>
+                    <p:cTn id="3" fill="hold">
+                      <p:stCondLst>
+                        <p:cond delay="indefinite"/>
+                      </p:stCondLst>
+                      <p:childTnLst>
+                        <p:par>
+                          <p:cTn id="4" fill="hold">
+                            <p:stCondLst>
+                              <p:cond delay="0"/>
+                            </p:stCondLst>
+                            <p:childTnLst>
+                              <p:par>
+                                <p:cTn id="5" presetID="1" presetClass="entr" presetSubtype="0" fill="hold" grpId="0" nodeType="clickEffect">
+                                  <p:stCondLst>
+                                    <p:cond delay="0"/>
+                                  </p:stCondLst>
+                                  <p:childTnLst>
+                                    <p:set>
+                                      <p:cBhvr>
+                                        <p:cTn id="6" dur="1" fill="hold">
+                                          <p:stCondLst>
+                                            <p:cond delay="0"/>
+                                          </p:stCondLst>
+                                        </p:cTn>
+                                        <p:tgtEl>
+                                          <p:spTgt spid="3">
+                                            <p:txEl>
+                                              <p:pRg st="0" end="0"/>
+                                            </p:txEl>
+                                          </p:spTgt>
+                                        </p:tgtEl>
+                                        <p:attrNameLst>
+                                          <p:attrName>style.visibility</p:attrName>
+                                        </p:attrNameLst>
+                                      </p:cBhvr>
+                                      <p:to>
+                                        <p:strVal val="visible"/>
+                                      </p:to>
+                                    </p:set>
+                                  </p:childTnLst>
+                                </p:cTn>
+                              </p:par>
+                              <p:par>
+                                <p:cTn id="7" presetID="1" presetClass="entr" presetSubtype="0" fill="hold" grpId="0" nodeType="withEffect">
+                                  <p:stCondLst>
+                                    <p:cond delay="0"/>
+                                  </p:stCondLst>
+                                  <p:childTnLst>
+                                    <p:set>
+                                      <p:cBhvr>
+                                        <p:cTn id="8" dur="1" fill="hold">
+                                          <p:stCondLst>
+                                            <p:cond delay="0"/>
+                                          </p:stCondLst>
+                                        </p:cTn>
+                                        <p:tgtEl>
+                                          <p:spTgt spid="3">
+                                            <p:txEl>
+                                              <p:pRg st="1" end="1"/>
+                                            </p:txEl>
+                                          </p:spTgt>
+                                        </p:tgtEl>
+                                        <p:attrNameLst>
+                                          <p:attrName>style.visibility</p:attrName>
+                                        </p:attrNameLst>
+                                      </p:cBhvr>
+                                      <p:to>
+                                        <p:strVal val="visible"/>
+                                      </p:to>
+                                    </p:set>
+                                  </p:childTnLst>
+                                </p:cTn>
+                              </p:par>
+                              <p:par>
+                                <p:cTn id="9" presetID="1" presetClass="entr" presetSubtype="0" fill="hold" grpId="0" nodeType="withEffect">
+                                  <p:stCondLst>
+                                    <p:cond delay="0"/>
+                                  </p:stCondLst>
+                                  <p:childTnLst>
+                                    <p:set>
+                                      <p:cBhvr>
+                                        <p:cTn id="10" dur="1" fill="hold">
+                                          <p:stCondLst>
+                                            <p:cond delay="0"/>
+                                          </p:stCondLst>
+                                        </p:cTn>
+                                        <p:tgtEl>
+                                          <p:spTgt spid="3">
+                                            <p:txEl>
+                                              <p:pRg st="2" end="2"/>
+                                            </p:txEl>
+                                          </p:spTgt>
+                                        </p:tgtEl>
+                                        <p:attrNameLst>
+                                          <p:attrName>style.visibility</p:attrName>
+                                        </p:attrNameLst>
+                                      </p:cBhvr>
+                                      <p:to>
+                                        <p:strVal val="visible"/>
+                                      </p:to>
+                                    </p:set>
+                                  </p:childTnLst>
+                                </p:cTn>
+                              </p:par>
+                            </p:childTnLst>
+                          </p:cTn>
+                        </p:par>
+                      </p:childTnLst>
+                    </p:cTn>
+                  </p:par>
+                  <p:par>
+                    <p:cTn id="11" fill="hold">
+                      <p:stCondLst>
+                        <p:cond delay="indefinite"/>
+                      </p:stCondLst>
+                      <p:childTnLst>
+                        <p:par>
+                          <p:cTn id="12" fill="hold">
+                            <p:stCondLst>
+                              <p:cond delay="0"/>
+                            </p:stCondLst>
+                            <p:childTnLst>
+                              <p:par>
+                                <p:cTn id="13" presetID="1" presetClass="entr" presetSubtype="0" fill="hold" grpId="0" nodeType="clickEffect">
+                                  <p:stCondLst>
+                                    <p:cond delay="0"/>
+                                  </p:stCondLst>
+                                  <p:childTnLst>
+                                    <p:set>
+                                      <p:cBhvr>
+                                        <p:cTn id="14" dur="1" fill="hold">
+                                          <p:stCondLst>
+                                            <p:cond delay="0"/>
+                                          </p:stCondLst>
+                                        </p:cTn>
+                                        <p:tgtEl>
+                                          <p:spTgt spid="3">
+                                            <p:txEl>
+                                              <p:pRg st="3" end="3"/>
+                                            </p:txEl>
+                                          </p:spTgt>
+                                        </p:tgtEl>
+                                        <p:attrNameLst>
+                                          <p:attrName>style.visibility</p:attrName>
+                                        </p:attrNameLst>
+                                      </p:cBhvr>
+                                      <p:to>
+                                        <p:strVal val="visible"/>
+                                      </p:to>
+                                    </p:set>
+                                  </p:childTnLst>
+                                </p:cTn>
+                              </p:par>
+                            </p:childTnLst>
+                          </p:cTn>
+                        </p:par>
+                      </p:childTnLst>
+                    </p:cTn>
+                  </p:par>
+                  <p:par>
+                    <p:cTn id="15" fill="hold">
+                      <p:stCondLst>
+                        <p:cond delay="indefinite"/>
+                      </p:stCondLst>
+                      <p:childTnLst>
+                        <p:par>
+                          <p:cTn id="16" fill="hold">
+                            <p:stCondLst>
+                              <p:cond delay="0"/>
+                            </p:stCondLst>
+                            <p:childTnLst>
+                              <p:par>
+                                <p:cTn id="17" presetID="1" presetClass="entr" presetSubtype="0" fill="hold" grpId="0" nodeType="clickEffect">
+                                  <p:stCondLst>
+                                    <p:cond delay="0"/>
+                                  </p:stCondLst>
+                                  <p:childTnLst>
+                                    <p:set>
+                                      <p:cBhvr>
+                                        <p:cTn id="18" dur="1" fill="hold">
+                                          <p:stCondLst>
+                                            <p:cond delay="0"/>
+                                          </p:stCondLst>
+                                        </p:cTn>
+                                        <p:tgtEl>
+                                          <p:spTgt spid="3">
+                                            <p:txEl>
+                                              <p:pRg st="4" end="4"/>
+                                            </p:txEl>
+                                          </p:spTgt>
+                                        </p:tgtEl>
+                                        <p:attrNameLst>
+                                          <p:attrName>style.visibility</p:attrName>
+                                        </p:attrNameLst>
+                                      </p:cBhvr>
+                                      <p:to>
+                                        <p:strVal val="visible"/>
+                                      </p:to>
+                                    </p:set>
+                                  </p:childTnLst>
+                                </p:cTn>
+                              </p:par>
+                            </p:childTnLst>
+                          </p:cTn>
+                        </p:par>
+                      </p:childTnLst>
+                    </p:cTn>
+                  </p:par>
+                  <p:par>
+                    <p:cTn id="19" fill="hold">
+                      <p:stCondLst>
+                        <p:cond delay="indefinite"/>
+                      </p:stCondLst>
+                      <p:childTnLst>
+                        <p:par>
+                          <p:cTn id="20" fill="hold">
+                            <p:stCondLst>
+                              <p:cond delay="0"/>
+                            </p:stCondLst>
+                            <p:childTnLst>
+                              <p:par>
+                                <p:cTn id="21" presetID="1" presetClass="entr" presetSubtype="0" fill="hold" grpId="0" nodeType="clickEffect">
+                                  <p:stCondLst>
+                                    <p:cond delay="0"/>
+                                  </p:stCondLst>
+                                  <p:childTnLst>
+                                    <p:set>
+                                      <p:cBhvr>
+                                        <p:cTn id="22" dur="1" fill="hold">
+                                          <p:stCondLst>
+                                            <p:cond delay="0"/>
+                                          </p:stCondLst>
+                                        </p:cTn>
+                                        <p:tgtEl>
+                                          <p:spTgt spid="3">
+                                            <p:txEl>
+                                              <p:pRg st="5" end="5"/>
+                                            </p:txEl>
+                                          </p:spTgt>
+                                        </p:tgtEl>
+                                        <p:attrNameLst>
+                                          <p:attrName>style.visibility</p:attrName>
+                                        </p:attrNameLst>
+                                      </p:cBhvr>
+                                      <p:to>
+                                        <p:strVal val="visible"/>
+                                      </p:to>
+                                    </p:set>
+                                  </p:childTnLst>
+                                </p:cTn>
+                              </p:par>
+                              <p:par>
+                                <p:cTn id="23" presetID="1" presetClass="entr" presetSubtype="0" fill="hold" grpId="0" nodeType="withEffect">
+                                  <p:stCondLst>
+                                    <p:cond delay="0"/>
+                                  </p:stCondLst>
+                                  <p:childTnLst>
+                                    <p:set>
+                                      <p:cBhvr>
+                                        <p:cTn id="24" dur="1" fill="hold">
+                                          <p:stCondLst>
+                                            <p:cond delay="0"/>
+                                          </p:stCondLst>
+                                        </p:cTn>
+                                        <p:tgtEl>
+                                          <p:spTgt spid="3">
+                                            <p:txEl>
+                                              <p:pRg st="6" end="6"/>
+                                            </p:txEl>
+                                          </p:spTgt>
+                                        </p:tgtEl>
+                                        <p:attrNameLst>
+                                          <p:attrName>style.visibility</p:attrName>
+                                        </p:attrNameLst>
+                                      </p:cBhvr>
+                                      <p:to>
+                                        <p:strVal val="visible"/>
+                                      </p:to>
+                                    </p:set>
+                                  </p:childTnLst>
+                                </p:cTn>
+                              </p:par>
+                              <p:par>
+                                <p:cTn id="25" presetID="1" presetClass="entr" presetSubtype="0" fill="hold" grpId="0" nodeType="withEffect">
+                                  <p:stCondLst>
+                                    <p:cond delay="0"/>
+                                  </p:stCondLst>
+                                  <p:childTnLst>
+                                    <p:set>
+                                      <p:cBhvr>
+                                        <p:cTn id="26" dur="1" fill="hold">
+                                          <p:stCondLst>
+                                            <p:cond delay="0"/>
+                                          </p:stCondLst>
+                                        </p:cTn>
+                                        <p:tgtEl>
+                                          <p:spTgt spid="3">
+                                            <p:txEl>
+                                              <p:pRg st="7" end="7"/>
+                                            </p:txEl>
+                                          </p:spTgt>
+                                        </p:tgtEl>
+                                        <p:attrNameLst>
+                                          <p:attrName>style.visibility</p:attrName>
+                                        </p:attrNameLst>
+                                      </p:cBhvr>
+                                      <p:to>
+                                        <p:strVal val="visible"/>
+                                      </p:to>
+                                    </p:set>
+                                  </p:childTnLst>
+                                </p:cTn>
+                              </p:par>
+                            </p:childTnLst>
+                          </p:cTn>
+                        </p:par>
+                      </p:childTnLst>
+                    </p:cTn>
+                  </p:par>
+                </p:childTnLst>
+              </p:cTn>
+              <p:prevCondLst>
+                <p:cond evt="onPrev" delay="0">
+                  <p:tgtEl>
+                    <p:sldTgt/>
+                  </p:tgtEl>
+                </p:cond>
+              </p:prevCondLst>
+              <p:nextCondLst>
+                <p:cond evt="onNext" delay="0">
+                  <p:tgtEl>
+                    <p:sldTgt/>
+                  </p:tgtEl>
+                </p:cond>
+              </p:nextCondLst>
+            </p:seq>
+          </p:childTnLst>
+        </p:cTn>
+      </p:par>
+    </p:tnLst>
+    <p:bldLst>
+      <p:bldP spid="3" grpId="0" build="p"/>
+    </p:bldLst>
+  </p:timing>
 </p:sld>
 </file>
 
-<file path=ppt/slides/slide25.xml><?xml version="1.0" encoding="utf-8"?>
+<file path=ppt/slides/slide26.xml><?xml version="1.0" encoding="utf-8"?>
 <p:sld xmlns:a="http://schemas.openxmlformats.org/drawingml/2006/main" xmlns:r="http://schemas.openxmlformats.org/officeDocument/2006/relationships" xmlns:p="http://schemas.openxmlformats.org/presentationml/2006/main">
   <p:cSld>
     <p:spTree>
@@ -10908,7 +12025,7 @@
               <a:pPr>
                 <a:defRPr/>
               </a:pPr>
-              <a:t>25</a:t>
+              <a:t>26</a:t>
             </a:fld>
             <a:endParaRPr lang="en-US" sz="1050">
               <a:latin typeface="Calibri" panose="020F0502020204030204"/>
@@ -11052,7 +12169,7 @@
 </p:sld>
 </file>
 
-<file path=ppt/slides/slide26.xml><?xml version="1.0" encoding="utf-8"?>
+<file path=ppt/slides/slide27.xml><?xml version="1.0" encoding="utf-8"?>
 <p:sld xmlns:a="http://schemas.openxmlformats.org/drawingml/2006/main" xmlns:r="http://schemas.openxmlformats.org/officeDocument/2006/relationships" xmlns:p="http://schemas.openxmlformats.org/presentationml/2006/main">
   <p:cSld>
     <p:spTree>
@@ -11196,10 +12313,396 @@
   <p:clrMapOvr>
     <a:masterClrMapping/>
   </p:clrMapOvr>
+  <p:timing>
+    <p:tnLst>
+      <p:par>
+        <p:cTn id="1" dur="indefinite" restart="never" nodeType="tmRoot">
+          <p:childTnLst>
+            <p:seq concurrent="1" nextAc="seek">
+              <p:cTn id="2" dur="indefinite" nodeType="mainSeq">
+                <p:childTnLst>
+                  <p:par>
+                    <p:cTn id="3" fill="hold">
+                      <p:stCondLst>
+                        <p:cond delay="indefinite"/>
+                      </p:stCondLst>
+                      <p:childTnLst>
+                        <p:par>
+                          <p:cTn id="4" fill="hold">
+                            <p:stCondLst>
+                              <p:cond delay="0"/>
+                            </p:stCondLst>
+                            <p:childTnLst>
+                              <p:par>
+                                <p:cTn id="5" presetID="1" presetClass="entr" presetSubtype="0" fill="hold" nodeType="clickEffect">
+                                  <p:stCondLst>
+                                    <p:cond delay="0"/>
+                                  </p:stCondLst>
+                                  <p:childTnLst>
+                                    <p:set>
+                                      <p:cBhvr>
+                                        <p:cTn id="6" dur="1" fill="hold">
+                                          <p:stCondLst>
+                                            <p:cond delay="0"/>
+                                          </p:stCondLst>
+                                        </p:cTn>
+                                        <p:tgtEl>
+                                          <p:spTgt spid="3">
+                                            <p:txEl>
+                                              <p:pRg st="0" end="0"/>
+                                            </p:txEl>
+                                          </p:spTgt>
+                                        </p:tgtEl>
+                                        <p:attrNameLst>
+                                          <p:attrName>style.visibility</p:attrName>
+                                        </p:attrNameLst>
+                                      </p:cBhvr>
+                                      <p:to>
+                                        <p:strVal val="visible"/>
+                                      </p:to>
+                                    </p:set>
+                                  </p:childTnLst>
+                                </p:cTn>
+                              </p:par>
+                            </p:childTnLst>
+                          </p:cTn>
+                        </p:par>
+                      </p:childTnLst>
+                    </p:cTn>
+                  </p:par>
+                  <p:par>
+                    <p:cTn id="7" fill="hold">
+                      <p:stCondLst>
+                        <p:cond delay="indefinite"/>
+                      </p:stCondLst>
+                      <p:childTnLst>
+                        <p:par>
+                          <p:cTn id="8" fill="hold">
+                            <p:stCondLst>
+                              <p:cond delay="0"/>
+                            </p:stCondLst>
+                            <p:childTnLst>
+                              <p:par>
+                                <p:cTn id="9" presetID="1" presetClass="entr" presetSubtype="0" fill="hold" nodeType="clickEffect">
+                                  <p:stCondLst>
+                                    <p:cond delay="0"/>
+                                  </p:stCondLst>
+                                  <p:childTnLst>
+                                    <p:set>
+                                      <p:cBhvr>
+                                        <p:cTn id="10" dur="1" fill="hold">
+                                          <p:stCondLst>
+                                            <p:cond delay="0"/>
+                                          </p:stCondLst>
+                                        </p:cTn>
+                                        <p:tgtEl>
+                                          <p:spTgt spid="3">
+                                            <p:txEl>
+                                              <p:pRg st="1" end="1"/>
+                                            </p:txEl>
+                                          </p:spTgt>
+                                        </p:tgtEl>
+                                        <p:attrNameLst>
+                                          <p:attrName>style.visibility</p:attrName>
+                                        </p:attrNameLst>
+                                      </p:cBhvr>
+                                      <p:to>
+                                        <p:strVal val="visible"/>
+                                      </p:to>
+                                    </p:set>
+                                  </p:childTnLst>
+                                </p:cTn>
+                              </p:par>
+                            </p:childTnLst>
+                          </p:cTn>
+                        </p:par>
+                      </p:childTnLst>
+                    </p:cTn>
+                  </p:par>
+                  <p:par>
+                    <p:cTn id="11" fill="hold">
+                      <p:stCondLst>
+                        <p:cond delay="indefinite"/>
+                      </p:stCondLst>
+                      <p:childTnLst>
+                        <p:par>
+                          <p:cTn id="12" fill="hold">
+                            <p:stCondLst>
+                              <p:cond delay="0"/>
+                            </p:stCondLst>
+                            <p:childTnLst>
+                              <p:par>
+                                <p:cTn id="13" presetID="1" presetClass="entr" presetSubtype="0" fill="hold" nodeType="clickEffect">
+                                  <p:stCondLst>
+                                    <p:cond delay="0"/>
+                                  </p:stCondLst>
+                                  <p:childTnLst>
+                                    <p:set>
+                                      <p:cBhvr>
+                                        <p:cTn id="14" dur="1" fill="hold">
+                                          <p:stCondLst>
+                                            <p:cond delay="0"/>
+                                          </p:stCondLst>
+                                        </p:cTn>
+                                        <p:tgtEl>
+                                          <p:spTgt spid="3">
+                                            <p:txEl>
+                                              <p:pRg st="2" end="2"/>
+                                            </p:txEl>
+                                          </p:spTgt>
+                                        </p:tgtEl>
+                                        <p:attrNameLst>
+                                          <p:attrName>style.visibility</p:attrName>
+                                        </p:attrNameLst>
+                                      </p:cBhvr>
+                                      <p:to>
+                                        <p:strVal val="visible"/>
+                                      </p:to>
+                                    </p:set>
+                                  </p:childTnLst>
+                                </p:cTn>
+                              </p:par>
+                            </p:childTnLst>
+                          </p:cTn>
+                        </p:par>
+                      </p:childTnLst>
+                    </p:cTn>
+                  </p:par>
+                  <p:par>
+                    <p:cTn id="15" fill="hold">
+                      <p:stCondLst>
+                        <p:cond delay="indefinite"/>
+                      </p:stCondLst>
+                      <p:childTnLst>
+                        <p:par>
+                          <p:cTn id="16" fill="hold">
+                            <p:stCondLst>
+                              <p:cond delay="0"/>
+                            </p:stCondLst>
+                            <p:childTnLst>
+                              <p:par>
+                                <p:cTn id="17" presetID="1" presetClass="entr" presetSubtype="0" fill="hold" nodeType="clickEffect">
+                                  <p:stCondLst>
+                                    <p:cond delay="0"/>
+                                  </p:stCondLst>
+                                  <p:childTnLst>
+                                    <p:set>
+                                      <p:cBhvr>
+                                        <p:cTn id="18" dur="1" fill="hold">
+                                          <p:stCondLst>
+                                            <p:cond delay="0"/>
+                                          </p:stCondLst>
+                                        </p:cTn>
+                                        <p:tgtEl>
+                                          <p:spTgt spid="3">
+                                            <p:txEl>
+                                              <p:pRg st="3" end="3"/>
+                                            </p:txEl>
+                                          </p:spTgt>
+                                        </p:tgtEl>
+                                        <p:attrNameLst>
+                                          <p:attrName>style.visibility</p:attrName>
+                                        </p:attrNameLst>
+                                      </p:cBhvr>
+                                      <p:to>
+                                        <p:strVal val="visible"/>
+                                      </p:to>
+                                    </p:set>
+                                  </p:childTnLst>
+                                </p:cTn>
+                              </p:par>
+                            </p:childTnLst>
+                          </p:cTn>
+                        </p:par>
+                      </p:childTnLst>
+                    </p:cTn>
+                  </p:par>
+                  <p:par>
+                    <p:cTn id="19" fill="hold">
+                      <p:stCondLst>
+                        <p:cond delay="indefinite"/>
+                      </p:stCondLst>
+                      <p:childTnLst>
+                        <p:par>
+                          <p:cTn id="20" fill="hold">
+                            <p:stCondLst>
+                              <p:cond delay="0"/>
+                            </p:stCondLst>
+                            <p:childTnLst>
+                              <p:par>
+                                <p:cTn id="21" presetID="1" presetClass="entr" presetSubtype="0" fill="hold" nodeType="clickEffect">
+                                  <p:stCondLst>
+                                    <p:cond delay="0"/>
+                                  </p:stCondLst>
+                                  <p:childTnLst>
+                                    <p:set>
+                                      <p:cBhvr>
+                                        <p:cTn id="22" dur="1" fill="hold">
+                                          <p:stCondLst>
+                                            <p:cond delay="0"/>
+                                          </p:stCondLst>
+                                        </p:cTn>
+                                        <p:tgtEl>
+                                          <p:spTgt spid="3">
+                                            <p:txEl>
+                                              <p:pRg st="4" end="4"/>
+                                            </p:txEl>
+                                          </p:spTgt>
+                                        </p:tgtEl>
+                                        <p:attrNameLst>
+                                          <p:attrName>style.visibility</p:attrName>
+                                        </p:attrNameLst>
+                                      </p:cBhvr>
+                                      <p:to>
+                                        <p:strVal val="visible"/>
+                                      </p:to>
+                                    </p:set>
+                                  </p:childTnLst>
+                                </p:cTn>
+                              </p:par>
+                              <p:par>
+                                <p:cTn id="23" presetID="1" presetClass="entr" presetSubtype="0" fill="hold" nodeType="withEffect">
+                                  <p:stCondLst>
+                                    <p:cond delay="0"/>
+                                  </p:stCondLst>
+                                  <p:childTnLst>
+                                    <p:set>
+                                      <p:cBhvr>
+                                        <p:cTn id="24" dur="1" fill="hold">
+                                          <p:stCondLst>
+                                            <p:cond delay="0"/>
+                                          </p:stCondLst>
+                                        </p:cTn>
+                                        <p:tgtEl>
+                                          <p:spTgt spid="3">
+                                            <p:txEl>
+                                              <p:pRg st="5" end="5"/>
+                                            </p:txEl>
+                                          </p:spTgt>
+                                        </p:tgtEl>
+                                        <p:attrNameLst>
+                                          <p:attrName>style.visibility</p:attrName>
+                                        </p:attrNameLst>
+                                      </p:cBhvr>
+                                      <p:to>
+                                        <p:strVal val="visible"/>
+                                      </p:to>
+                                    </p:set>
+                                  </p:childTnLst>
+                                </p:cTn>
+                              </p:par>
+                            </p:childTnLst>
+                          </p:cTn>
+                        </p:par>
+                      </p:childTnLst>
+                    </p:cTn>
+                  </p:par>
+                  <p:par>
+                    <p:cTn id="25" fill="hold">
+                      <p:stCondLst>
+                        <p:cond delay="indefinite"/>
+                      </p:stCondLst>
+                      <p:childTnLst>
+                        <p:par>
+                          <p:cTn id="26" fill="hold">
+                            <p:stCondLst>
+                              <p:cond delay="0"/>
+                            </p:stCondLst>
+                            <p:childTnLst>
+                              <p:par>
+                                <p:cTn id="27" presetID="1" presetClass="entr" presetSubtype="0" fill="hold" nodeType="clickEffect">
+                                  <p:stCondLst>
+                                    <p:cond delay="0"/>
+                                  </p:stCondLst>
+                                  <p:childTnLst>
+                                    <p:set>
+                                      <p:cBhvr>
+                                        <p:cTn id="28" dur="1" fill="hold">
+                                          <p:stCondLst>
+                                            <p:cond delay="0"/>
+                                          </p:stCondLst>
+                                        </p:cTn>
+                                        <p:tgtEl>
+                                          <p:spTgt spid="3">
+                                            <p:txEl>
+                                              <p:pRg st="6" end="6"/>
+                                            </p:txEl>
+                                          </p:spTgt>
+                                        </p:tgtEl>
+                                        <p:attrNameLst>
+                                          <p:attrName>style.visibility</p:attrName>
+                                        </p:attrNameLst>
+                                      </p:cBhvr>
+                                      <p:to>
+                                        <p:strVal val="visible"/>
+                                      </p:to>
+                                    </p:set>
+                                  </p:childTnLst>
+                                </p:cTn>
+                              </p:par>
+                              <p:par>
+                                <p:cTn id="29" presetID="1" presetClass="entr" presetSubtype="0" fill="hold" nodeType="withEffect">
+                                  <p:stCondLst>
+                                    <p:cond delay="0"/>
+                                  </p:stCondLst>
+                                  <p:childTnLst>
+                                    <p:set>
+                                      <p:cBhvr>
+                                        <p:cTn id="30" dur="1" fill="hold">
+                                          <p:stCondLst>
+                                            <p:cond delay="0"/>
+                                          </p:stCondLst>
+                                        </p:cTn>
+                                        <p:tgtEl>
+                                          <p:spTgt spid="3">
+                                            <p:txEl>
+                                              <p:pRg st="7" end="7"/>
+                                            </p:txEl>
+                                          </p:spTgt>
+                                        </p:tgtEl>
+                                        <p:attrNameLst>
+                                          <p:attrName>style.visibility</p:attrName>
+                                        </p:attrNameLst>
+                                      </p:cBhvr>
+                                      <p:to>
+                                        <p:strVal val="visible"/>
+                                      </p:to>
+                                    </p:set>
+                                  </p:childTnLst>
+                                </p:cTn>
+                              </p:par>
+                            </p:childTnLst>
+                          </p:cTn>
+                        </p:par>
+                      </p:childTnLst>
+                    </p:cTn>
+                  </p:par>
+                </p:childTnLst>
+              </p:cTn>
+              <p:prevCondLst>
+                <p:cond evt="onPrev" delay="0">
+                  <p:tgtEl>
+                    <p:sldTgt/>
+                  </p:tgtEl>
+                </p:cond>
+              </p:prevCondLst>
+              <p:nextCondLst>
+                <p:cond evt="onNext" delay="0">
+                  <p:tgtEl>
+                    <p:sldTgt/>
+                  </p:tgtEl>
+                </p:cond>
+              </p:nextCondLst>
+            </p:seq>
+          </p:childTnLst>
+        </p:cTn>
+      </p:par>
+    </p:tnLst>
+  </p:timing>
 </p:sld>
 </file>
 
-<file path=ppt/slides/slide27.xml><?xml version="1.0" encoding="utf-8"?>
+<file path=ppt/slides/slide28.xml><?xml version="1.0" encoding="utf-8"?>
 <p:sld xmlns:a="http://schemas.openxmlformats.org/drawingml/2006/main" xmlns:r="http://schemas.openxmlformats.org/officeDocument/2006/relationships" xmlns:p="http://schemas.openxmlformats.org/presentationml/2006/main">
   <p:cSld>
     <p:spTree>
@@ -11293,7 +12796,7 @@
 </p:sld>
 </file>
 
-<file path=ppt/slides/slide28.xml><?xml version="1.0" encoding="utf-8"?>
+<file path=ppt/slides/slide29.xml><?xml version="1.0" encoding="utf-8"?>
 <p:sld xmlns:a="http://schemas.openxmlformats.org/drawingml/2006/main" xmlns:r="http://schemas.openxmlformats.org/officeDocument/2006/relationships" xmlns:p="http://schemas.openxmlformats.org/presentationml/2006/main">
   <p:cSld>
     <p:spTree>
@@ -11310,8 +12813,8 @@
           <a:chExt cx="0" cy="0"/>
         </a:xfrm>
       </p:grpSpPr>
-      <mc:AlternateContent xmlns:mc="http://schemas.openxmlformats.org/markup-compatibility/2006">
-        <mc:Choice xmlns:a14="http://schemas.microsoft.com/office/drawing/2010/main" Requires="a14">
+      <mc:AlternateContent xmlns:mc="http://schemas.openxmlformats.org/markup-compatibility/2006" xmlns:a14="http://schemas.microsoft.com/office/drawing/2010/main">
+        <mc:Choice Requires="a14">
           <p:sp>
             <p:nvSpPr>
               <p:cNvPr id="3" name="Content Placeholder 2">
@@ -11376,13 +12879,7 @@
                       <a:rPr lang="en-US" sz="3200" b="0" i="1" smtClean="0">
                         <a:latin typeface="Cambria Math" panose="02040503050406030204" pitchFamily="18" charset="0"/>
                       </a:rPr>
-                      <m:t>=</m:t>
-                    </m:r>
-                    <m:r>
-                      <a:rPr lang="en-US" sz="3200" b="0" i="1" smtClean="0">
-                        <a:latin typeface="Cambria Math" panose="02040503050406030204" pitchFamily="18" charset="0"/>
-                      </a:rPr>
-                      <m:t>−[</m:t>
+                      <m:t>=−[</m:t>
                     </m:r>
                     <m:func>
                       <m:funcPr>
@@ -11624,7 +13121,7 @@
             </p:txBody>
           </p:sp>
         </mc:Choice>
-        <mc:Fallback>
+        <mc:Fallback xmlns="">
           <p:sp>
             <p:nvSpPr>
               <p:cNvPr id="3" name="Content Placeholder 2">
@@ -11711,161 +13208,6 @@
 </p:sld>
 </file>
 
-<file path=ppt/slides/slide29.xml><?xml version="1.0" encoding="utf-8"?>
-<p:sld xmlns:a="http://schemas.openxmlformats.org/drawingml/2006/main" xmlns:r="http://schemas.openxmlformats.org/officeDocument/2006/relationships" xmlns:p="http://schemas.openxmlformats.org/presentationml/2006/main">
-  <p:cSld>
-    <p:spTree>
-      <p:nvGrpSpPr>
-        <p:cNvPr id="1" name=""/>
-        <p:cNvGrpSpPr/>
-        <p:nvPr/>
-      </p:nvGrpSpPr>
-      <p:grpSpPr>
-        <a:xfrm>
-          <a:off x="0" y="0"/>
-          <a:ext cx="0" cy="0"/>
-          <a:chOff x="0" y="0"/>
-          <a:chExt cx="0" cy="0"/>
-        </a:xfrm>
-      </p:grpSpPr>
-      <p:sp>
-        <p:nvSpPr>
-          <p:cNvPr id="2" name="Title 1">
-            <a:extLst>
-              <a:ext uri="{FF2B5EF4-FFF2-40B4-BE49-F238E27FC236}">
-                <a16:creationId xmlns:a16="http://schemas.microsoft.com/office/drawing/2014/main" id="{6DDC2738-ADF5-3E01-7BD0-319094E6D953}"/>
-              </a:ext>
-            </a:extLst>
-          </p:cNvPr>
-          <p:cNvSpPr>
-            <a:spLocks noGrp="1"/>
-          </p:cNvSpPr>
-          <p:nvPr>
-            <p:ph type="title"/>
-          </p:nvPr>
-        </p:nvSpPr>
-        <p:spPr/>
-        <p:txBody>
-          <a:bodyPr/>
-          <a:lstStyle/>
-          <a:p>
-            <a:r>
-              <a:rPr lang="en-US" b="1" dirty="0"/>
-              <a:t>Application: </a:t>
-            </a:r>
-            <a:r>
-              <a:rPr lang="en-US" b="1" dirty="0" err="1"/>
-              <a:t>Gensim</a:t>
-            </a:r>
-            <a:endParaRPr lang="en-US" b="1" dirty="0"/>
-          </a:p>
-        </p:txBody>
-      </p:sp>
-      <p:sp>
-        <p:nvSpPr>
-          <p:cNvPr id="3" name="Content Placeholder 2">
-            <a:extLst>
-              <a:ext uri="{FF2B5EF4-FFF2-40B4-BE49-F238E27FC236}">
-                <a16:creationId xmlns:a16="http://schemas.microsoft.com/office/drawing/2014/main" id="{92A9D236-9AE3-5834-5956-18CF0F579A9E}"/>
-              </a:ext>
-            </a:extLst>
-          </p:cNvPr>
-          <p:cNvSpPr>
-            <a:spLocks noGrp="1"/>
-          </p:cNvSpPr>
-          <p:nvPr>
-            <p:ph idx="1"/>
-          </p:nvPr>
-        </p:nvSpPr>
-        <p:spPr/>
-        <p:txBody>
-          <a:bodyPr>
-            <a:normAutofit/>
-          </a:bodyPr>
-          <a:lstStyle/>
-          <a:p>
-            <a:pPr>
-              <a:lnSpc>
-                <a:spcPct val="200000"/>
-              </a:lnSpc>
-            </a:pPr>
-            <a:r>
-              <a:rPr lang="en-US" dirty="0"/>
-              <a:t>We will train Word2vec later</a:t>
-            </a:r>
-          </a:p>
-          <a:p>
-            <a:pPr lvl="1">
-              <a:lnSpc>
-                <a:spcPct val="200000"/>
-              </a:lnSpc>
-            </a:pPr>
-            <a:r>
-              <a:rPr lang="en-US" dirty="0"/>
-              <a:t>Use </a:t>
-            </a:r>
-            <a:r>
-              <a:rPr lang="en-US" dirty="0" err="1"/>
-              <a:t>Keras</a:t>
-            </a:r>
-            <a:endParaRPr lang="en-US" dirty="0"/>
-          </a:p>
-          <a:p>
-            <a:pPr>
-              <a:lnSpc>
-                <a:spcPct val="200000"/>
-              </a:lnSpc>
-            </a:pPr>
-            <a:r>
-              <a:rPr lang="en-US" dirty="0" err="1"/>
-              <a:t>Gensim</a:t>
-            </a:r>
-            <a:r>
-              <a:rPr lang="en-US" dirty="0"/>
-              <a:t> is handy way to play with distributional semantics</a:t>
-            </a:r>
-          </a:p>
-          <a:p>
-            <a:pPr>
-              <a:lnSpc>
-                <a:spcPct val="200000"/>
-              </a:lnSpc>
-            </a:pPr>
-            <a:r>
-              <a:rPr lang="en-US" dirty="0" err="1"/>
-              <a:t>Gensim</a:t>
-            </a:r>
-            <a:r>
-              <a:rPr lang="en-US" dirty="0"/>
-              <a:t> isn’t really a deep learning package. </a:t>
-            </a:r>
-          </a:p>
-          <a:p>
-            <a:pPr>
-              <a:lnSpc>
-                <a:spcPct val="200000"/>
-              </a:lnSpc>
-            </a:pPr>
-            <a:r>
-              <a:rPr lang="en-US" dirty="0"/>
-              <a:t>But its efficient and scalable, and quite widely used</a:t>
-            </a:r>
-          </a:p>
-        </p:txBody>
-      </p:sp>
-    </p:spTree>
-    <p:extLst>
-      <p:ext uri="{BB962C8B-B14F-4D97-AF65-F5344CB8AC3E}">
-        <p14:creationId xmlns:p14="http://schemas.microsoft.com/office/powerpoint/2010/main" val="1372659895"/>
-      </p:ext>
-    </p:extLst>
-  </p:cSld>
-  <p:clrMapOvr>
-    <a:masterClrMapping/>
-  </p:clrMapOvr>
-</p:sld>
-</file>
-
 <file path=ppt/slides/slide3.xml><?xml version="1.0" encoding="utf-8"?>
 <p:sld xmlns:a="http://schemas.openxmlformats.org/drawingml/2006/main" xmlns:r="http://schemas.openxmlformats.org/officeDocument/2006/relationships" xmlns:p="http://schemas.openxmlformats.org/presentationml/2006/main">
   <p:cSld>
@@ -11907,7 +13249,7 @@
           <a:lstStyle/>
           <a:p>
             <a:r>
-              <a:rPr lang="en-US" sz="4000" b="1" dirty="0"/>
+              <a:rPr lang="en-US" sz="4400" b="1" dirty="0"/>
               <a:t>Word vectors	</a:t>
             </a:r>
           </a:p>
@@ -12315,6 +13657,161 @@
           <p:cNvPr id="2" name="Title 1">
             <a:extLst>
               <a:ext uri="{FF2B5EF4-FFF2-40B4-BE49-F238E27FC236}">
+                <a16:creationId xmlns:a16="http://schemas.microsoft.com/office/drawing/2014/main" id="{6DDC2738-ADF5-3E01-7BD0-319094E6D953}"/>
+              </a:ext>
+            </a:extLst>
+          </p:cNvPr>
+          <p:cNvSpPr>
+            <a:spLocks noGrp="1"/>
+          </p:cNvSpPr>
+          <p:nvPr>
+            <p:ph type="title"/>
+          </p:nvPr>
+        </p:nvSpPr>
+        <p:spPr/>
+        <p:txBody>
+          <a:bodyPr/>
+          <a:lstStyle/>
+          <a:p>
+            <a:r>
+              <a:rPr lang="en-US" b="1" dirty="0"/>
+              <a:t>Application: </a:t>
+            </a:r>
+            <a:r>
+              <a:rPr lang="en-US" b="1" dirty="0" err="1"/>
+              <a:t>Gensim</a:t>
+            </a:r>
+            <a:endParaRPr lang="en-US" b="1" dirty="0"/>
+          </a:p>
+        </p:txBody>
+      </p:sp>
+      <p:sp>
+        <p:nvSpPr>
+          <p:cNvPr id="3" name="Content Placeholder 2">
+            <a:extLst>
+              <a:ext uri="{FF2B5EF4-FFF2-40B4-BE49-F238E27FC236}">
+                <a16:creationId xmlns:a16="http://schemas.microsoft.com/office/drawing/2014/main" id="{92A9D236-9AE3-5834-5956-18CF0F579A9E}"/>
+              </a:ext>
+            </a:extLst>
+          </p:cNvPr>
+          <p:cNvSpPr>
+            <a:spLocks noGrp="1"/>
+          </p:cNvSpPr>
+          <p:nvPr>
+            <p:ph idx="1"/>
+          </p:nvPr>
+        </p:nvSpPr>
+        <p:spPr/>
+        <p:txBody>
+          <a:bodyPr>
+            <a:normAutofit/>
+          </a:bodyPr>
+          <a:lstStyle/>
+          <a:p>
+            <a:pPr>
+              <a:lnSpc>
+                <a:spcPct val="200000"/>
+              </a:lnSpc>
+            </a:pPr>
+            <a:r>
+              <a:rPr lang="en-US" dirty="0"/>
+              <a:t>We will train Word2vec later</a:t>
+            </a:r>
+          </a:p>
+          <a:p>
+            <a:pPr lvl="1">
+              <a:lnSpc>
+                <a:spcPct val="200000"/>
+              </a:lnSpc>
+            </a:pPr>
+            <a:r>
+              <a:rPr lang="en-US" dirty="0"/>
+              <a:t>Use </a:t>
+            </a:r>
+            <a:r>
+              <a:rPr lang="en-US" dirty="0" err="1"/>
+              <a:t>Keras</a:t>
+            </a:r>
+            <a:endParaRPr lang="en-US" dirty="0"/>
+          </a:p>
+          <a:p>
+            <a:pPr>
+              <a:lnSpc>
+                <a:spcPct val="200000"/>
+              </a:lnSpc>
+            </a:pPr>
+            <a:r>
+              <a:rPr lang="en-US" dirty="0" err="1"/>
+              <a:t>Gensim</a:t>
+            </a:r>
+            <a:r>
+              <a:rPr lang="en-US" dirty="0"/>
+              <a:t> is handy way to play with distributional semantics</a:t>
+            </a:r>
+          </a:p>
+          <a:p>
+            <a:pPr>
+              <a:lnSpc>
+                <a:spcPct val="200000"/>
+              </a:lnSpc>
+            </a:pPr>
+            <a:r>
+              <a:rPr lang="en-US" dirty="0" err="1"/>
+              <a:t>Gensim</a:t>
+            </a:r>
+            <a:r>
+              <a:rPr lang="en-US" dirty="0"/>
+              <a:t> isn’t really a deep learning package. </a:t>
+            </a:r>
+          </a:p>
+          <a:p>
+            <a:pPr>
+              <a:lnSpc>
+                <a:spcPct val="200000"/>
+              </a:lnSpc>
+            </a:pPr>
+            <a:r>
+              <a:rPr lang="en-US" dirty="0"/>
+              <a:t>But its efficient and scalable, and quite widely used</a:t>
+            </a:r>
+          </a:p>
+        </p:txBody>
+      </p:sp>
+    </p:spTree>
+    <p:extLst>
+      <p:ext uri="{BB962C8B-B14F-4D97-AF65-F5344CB8AC3E}">
+        <p14:creationId xmlns:p14="http://schemas.microsoft.com/office/powerpoint/2010/main" val="1372659895"/>
+      </p:ext>
+    </p:extLst>
+  </p:cSld>
+  <p:clrMapOvr>
+    <a:masterClrMapping/>
+  </p:clrMapOvr>
+</p:sld>
+</file>
+
+<file path=ppt/slides/slide31.xml><?xml version="1.0" encoding="utf-8"?>
+<p:sld xmlns:a="http://schemas.openxmlformats.org/drawingml/2006/main" xmlns:r="http://schemas.openxmlformats.org/officeDocument/2006/relationships" xmlns:p="http://schemas.openxmlformats.org/presentationml/2006/main">
+  <p:cSld>
+    <p:spTree>
+      <p:nvGrpSpPr>
+        <p:cNvPr id="1" name=""/>
+        <p:cNvGrpSpPr/>
+        <p:nvPr/>
+      </p:nvGrpSpPr>
+      <p:grpSpPr>
+        <a:xfrm>
+          <a:off x="0" y="0"/>
+          <a:ext cx="0" cy="0"/>
+          <a:chOff x="0" y="0"/>
+          <a:chExt cx="0" cy="0"/>
+        </a:xfrm>
+      </p:grpSpPr>
+      <p:sp>
+        <p:nvSpPr>
+          <p:cNvPr id="2" name="Title 1">
+            <a:extLst>
+              <a:ext uri="{FF2B5EF4-FFF2-40B4-BE49-F238E27FC236}">
                 <a16:creationId xmlns:a16="http://schemas.microsoft.com/office/drawing/2014/main" id="{73E3A621-81F1-4253-09A0-E172C7853D10}"/>
               </a:ext>
             </a:extLst>
@@ -12359,7 +13856,7 @@
         <p:spPr/>
         <p:txBody>
           <a:bodyPr>
-            <a:normAutofit fontScale="92500" lnSpcReduction="10000"/>
+            <a:noAutofit/>
           </a:bodyPr>
           <a:lstStyle/>
           <a:p>
@@ -12369,7 +13866,7 @@
               </a:lnSpc>
             </a:pPr>
             <a:r>
-              <a:rPr lang="en-US" dirty="0"/>
+              <a:rPr lang="en-US" sz="2400" dirty="0"/>
               <a:t>What’s the size of window in the previous example? </a:t>
             </a:r>
           </a:p>
@@ -12380,7 +13877,7 @@
               </a:lnSpc>
             </a:pPr>
             <a:r>
-              <a:rPr lang="en-US" dirty="0"/>
+              <a:rPr lang="en-US" sz="2400" dirty="0"/>
               <a:t>Small windows (C= +/- 2) </a:t>
             </a:r>
           </a:p>
@@ -12391,7 +13888,7 @@
               </a:lnSpc>
             </a:pPr>
             <a:r>
-              <a:rPr lang="en-US" dirty="0"/>
+              <a:rPr lang="en-US" sz="2000" dirty="0"/>
               <a:t>nearest words are syntactically similar words in same taxonomy</a:t>
             </a:r>
           </a:p>
@@ -12402,8 +13899,38 @@
               </a:lnSpc>
             </a:pPr>
             <a:r>
-              <a:rPr lang="en-US" dirty="0"/>
-              <a:t>Hogwarts nearest neighbors are other fictional schools</a:t>
+              <a:rPr lang="en-US" sz="1800" dirty="0"/>
+              <a:t>Hogwarts nearest neighbors are other fictional schools: Sunnydale, </a:t>
+            </a:r>
+            <a:r>
+              <a:rPr lang="en-US" sz="1800" dirty="0" err="1"/>
+              <a:t>Evernight</a:t>
+            </a:r>
+            <a:r>
+              <a:rPr lang="en-US" sz="1800" dirty="0"/>
+              <a:t>, </a:t>
+            </a:r>
+          </a:p>
+          <a:p>
+            <a:pPr>
+              <a:lnSpc>
+                <a:spcPct val="150000"/>
+              </a:lnSpc>
+            </a:pPr>
+            <a:r>
+              <a:rPr lang="en-US" sz="2400" dirty="0"/>
+              <a:t>Large windows (C= +/- 5) </a:t>
+            </a:r>
+          </a:p>
+          <a:p>
+            <a:pPr lvl="1">
+              <a:lnSpc>
+                <a:spcPct val="150000"/>
+              </a:lnSpc>
+            </a:pPr>
+            <a:r>
+              <a:rPr lang="en-US" sz="2000" dirty="0"/>
+              <a:t>nearest words are related words in same semantic field</a:t>
             </a:r>
           </a:p>
           <a:p>
@@ -12413,65 +13940,8 @@
               </a:lnSpc>
             </a:pPr>
             <a:r>
-              <a:rPr lang="en-US" dirty="0"/>
-              <a:t>Sunnydale, </a:t>
-            </a:r>
-            <a:r>
-              <a:rPr lang="en-US" dirty="0" err="1"/>
-              <a:t>Evernight</a:t>
-            </a:r>
-            <a:r>
-              <a:rPr lang="en-US" dirty="0"/>
-              <a:t>, </a:t>
-            </a:r>
-            <a:r>
-              <a:rPr lang="en-US" dirty="0" err="1"/>
-              <a:t>Blandings</a:t>
-            </a:r>
-            <a:endParaRPr lang="en-US" dirty="0"/>
-          </a:p>
-          <a:p>
-            <a:pPr>
-              <a:lnSpc>
-                <a:spcPct val="150000"/>
-              </a:lnSpc>
-            </a:pPr>
-            <a:r>
-              <a:rPr lang="en-US" dirty="0"/>
-              <a:t>Large windows (C= +/- 5) </a:t>
-            </a:r>
-          </a:p>
-          <a:p>
-            <a:pPr lvl="1">
-              <a:lnSpc>
-                <a:spcPct val="150000"/>
-              </a:lnSpc>
-            </a:pPr>
-            <a:r>
-              <a:rPr lang="en-US" dirty="0"/>
-              <a:t>nearest words are related words in same semantic field</a:t>
-            </a:r>
-          </a:p>
-          <a:p>
-            <a:pPr lvl="2">
-              <a:lnSpc>
-                <a:spcPct val="150000"/>
-              </a:lnSpc>
-            </a:pPr>
-            <a:r>
-              <a:rPr lang="en-US" dirty="0"/>
-              <a:t>Hogwarts nearest neighbors are Harry Potter world:</a:t>
-            </a:r>
-          </a:p>
-          <a:p>
-            <a:pPr lvl="2">
-              <a:lnSpc>
-                <a:spcPct val="150000"/>
-              </a:lnSpc>
-            </a:pPr>
-            <a:r>
-              <a:rPr lang="en-US" dirty="0"/>
-              <a:t>Dumbledore, half-blood,  Malfoy</a:t>
+              <a:rPr lang="en-US" sz="1800" dirty="0"/>
+              <a:t>Hogwarts nearest neighbors are Harry Potter world: Dumbledore, half-blood,  Malfoy</a:t>
             </a:r>
           </a:p>
         </p:txBody>
@@ -12486,10 +13956,334 @@
   <p:clrMapOvr>
     <a:masterClrMapping/>
   </p:clrMapOvr>
+  <p:timing>
+    <p:tnLst>
+      <p:par>
+        <p:cTn id="1" dur="indefinite" restart="never" nodeType="tmRoot">
+          <p:childTnLst>
+            <p:seq concurrent="1" nextAc="seek">
+              <p:cTn id="2" dur="indefinite" nodeType="mainSeq">
+                <p:childTnLst>
+                  <p:par>
+                    <p:cTn id="3" fill="hold">
+                      <p:stCondLst>
+                        <p:cond delay="indefinite"/>
+                      </p:stCondLst>
+                      <p:childTnLst>
+                        <p:par>
+                          <p:cTn id="4" fill="hold">
+                            <p:stCondLst>
+                              <p:cond delay="0"/>
+                            </p:stCondLst>
+                            <p:childTnLst>
+                              <p:par>
+                                <p:cTn id="5" presetID="1" presetClass="entr" presetSubtype="0" fill="hold" nodeType="clickEffect">
+                                  <p:stCondLst>
+                                    <p:cond delay="0"/>
+                                  </p:stCondLst>
+                                  <p:childTnLst>
+                                    <p:set>
+                                      <p:cBhvr>
+                                        <p:cTn id="6" dur="1" fill="hold">
+                                          <p:stCondLst>
+                                            <p:cond delay="0"/>
+                                          </p:stCondLst>
+                                        </p:cTn>
+                                        <p:tgtEl>
+                                          <p:spTgt spid="3">
+                                            <p:txEl>
+                                              <p:pRg st="1" end="1"/>
+                                            </p:txEl>
+                                          </p:spTgt>
+                                        </p:tgtEl>
+                                        <p:attrNameLst>
+                                          <p:attrName>style.visibility</p:attrName>
+                                        </p:attrNameLst>
+                                      </p:cBhvr>
+                                      <p:to>
+                                        <p:strVal val="visible"/>
+                                      </p:to>
+                                    </p:set>
+                                  </p:childTnLst>
+                                </p:cTn>
+                              </p:par>
+                            </p:childTnLst>
+                          </p:cTn>
+                        </p:par>
+                      </p:childTnLst>
+                    </p:cTn>
+                  </p:par>
+                  <p:par>
+                    <p:cTn id="7" fill="hold">
+                      <p:stCondLst>
+                        <p:cond delay="indefinite"/>
+                      </p:stCondLst>
+                      <p:childTnLst>
+                        <p:par>
+                          <p:cTn id="8" fill="hold">
+                            <p:stCondLst>
+                              <p:cond delay="0"/>
+                            </p:stCondLst>
+                            <p:childTnLst>
+                              <p:par>
+                                <p:cTn id="9" presetID="1" presetClass="entr" presetSubtype="0" fill="hold" nodeType="clickEffect">
+                                  <p:stCondLst>
+                                    <p:cond delay="0"/>
+                                  </p:stCondLst>
+                                  <p:childTnLst>
+                                    <p:set>
+                                      <p:cBhvr>
+                                        <p:cTn id="10" dur="1" fill="hold">
+                                          <p:stCondLst>
+                                            <p:cond delay="0"/>
+                                          </p:stCondLst>
+                                        </p:cTn>
+                                        <p:tgtEl>
+                                          <p:spTgt spid="3">
+                                            <p:txEl>
+                                              <p:pRg st="2" end="2"/>
+                                            </p:txEl>
+                                          </p:spTgt>
+                                        </p:tgtEl>
+                                        <p:attrNameLst>
+                                          <p:attrName>style.visibility</p:attrName>
+                                        </p:attrNameLst>
+                                      </p:cBhvr>
+                                      <p:to>
+                                        <p:strVal val="visible"/>
+                                      </p:to>
+                                    </p:set>
+                                  </p:childTnLst>
+                                </p:cTn>
+                              </p:par>
+                            </p:childTnLst>
+                          </p:cTn>
+                        </p:par>
+                      </p:childTnLst>
+                    </p:cTn>
+                  </p:par>
+                  <p:par>
+                    <p:cTn id="11" fill="hold">
+                      <p:stCondLst>
+                        <p:cond delay="indefinite"/>
+                      </p:stCondLst>
+                      <p:childTnLst>
+                        <p:par>
+                          <p:cTn id="12" fill="hold">
+                            <p:stCondLst>
+                              <p:cond delay="0"/>
+                            </p:stCondLst>
+                            <p:childTnLst>
+                              <p:par>
+                                <p:cTn id="13" presetID="1" presetClass="entr" presetSubtype="0" fill="hold" nodeType="clickEffect">
+                                  <p:stCondLst>
+                                    <p:cond delay="0"/>
+                                  </p:stCondLst>
+                                  <p:childTnLst>
+                                    <p:set>
+                                      <p:cBhvr>
+                                        <p:cTn id="14" dur="1" fill="hold">
+                                          <p:stCondLst>
+                                            <p:cond delay="0"/>
+                                          </p:stCondLst>
+                                        </p:cTn>
+                                        <p:tgtEl>
+                                          <p:spTgt spid="3">
+                                            <p:txEl>
+                                              <p:pRg st="3" end="3"/>
+                                            </p:txEl>
+                                          </p:spTgt>
+                                        </p:tgtEl>
+                                        <p:attrNameLst>
+                                          <p:attrName>style.visibility</p:attrName>
+                                        </p:attrNameLst>
+                                      </p:cBhvr>
+                                      <p:to>
+                                        <p:strVal val="visible"/>
+                                      </p:to>
+                                    </p:set>
+                                  </p:childTnLst>
+                                </p:cTn>
+                              </p:par>
+                            </p:childTnLst>
+                          </p:cTn>
+                        </p:par>
+                      </p:childTnLst>
+                    </p:cTn>
+                  </p:par>
+                  <p:par>
+                    <p:cTn id="15" fill="hold">
+                      <p:stCondLst>
+                        <p:cond delay="indefinite"/>
+                      </p:stCondLst>
+                      <p:childTnLst>
+                        <p:par>
+                          <p:cTn id="16" fill="hold">
+                            <p:stCondLst>
+                              <p:cond delay="0"/>
+                            </p:stCondLst>
+                            <p:childTnLst>
+                              <p:par>
+                                <p:cTn id="17" presetID="1" presetClass="entr" presetSubtype="0" fill="hold" nodeType="clickEffect">
+                                  <p:stCondLst>
+                                    <p:cond delay="0"/>
+                                  </p:stCondLst>
+                                  <p:childTnLst>
+                                    <p:set>
+                                      <p:cBhvr>
+                                        <p:cTn id="18" dur="1" fill="hold">
+                                          <p:stCondLst>
+                                            <p:cond delay="0"/>
+                                          </p:stCondLst>
+                                        </p:cTn>
+                                        <p:tgtEl>
+                                          <p:spTgt spid="3">
+                                            <p:txEl>
+                                              <p:pRg st="4" end="4"/>
+                                            </p:txEl>
+                                          </p:spTgt>
+                                        </p:tgtEl>
+                                        <p:attrNameLst>
+                                          <p:attrName>style.visibility</p:attrName>
+                                        </p:attrNameLst>
+                                      </p:cBhvr>
+                                      <p:to>
+                                        <p:strVal val="visible"/>
+                                      </p:to>
+                                    </p:set>
+                                  </p:childTnLst>
+                                </p:cTn>
+                              </p:par>
+                            </p:childTnLst>
+                          </p:cTn>
+                        </p:par>
+                      </p:childTnLst>
+                    </p:cTn>
+                  </p:par>
+                  <p:par>
+                    <p:cTn id="19" fill="hold">
+                      <p:stCondLst>
+                        <p:cond delay="indefinite"/>
+                      </p:stCondLst>
+                      <p:childTnLst>
+                        <p:par>
+                          <p:cTn id="20" fill="hold">
+                            <p:stCondLst>
+                              <p:cond delay="0"/>
+                            </p:stCondLst>
+                            <p:childTnLst>
+                              <p:par>
+                                <p:cTn id="21" presetID="1" presetClass="entr" presetSubtype="0" fill="hold" nodeType="clickEffect">
+                                  <p:stCondLst>
+                                    <p:cond delay="0"/>
+                                  </p:stCondLst>
+                                  <p:childTnLst>
+                                    <p:set>
+                                      <p:cBhvr>
+                                        <p:cTn id="22" dur="1" fill="hold">
+                                          <p:stCondLst>
+                                            <p:cond delay="0"/>
+                                          </p:stCondLst>
+                                        </p:cTn>
+                                        <p:tgtEl>
+                                          <p:spTgt spid="3">
+                                            <p:txEl>
+                                              <p:pRg st="5" end="5"/>
+                                            </p:txEl>
+                                          </p:spTgt>
+                                        </p:tgtEl>
+                                        <p:attrNameLst>
+                                          <p:attrName>style.visibility</p:attrName>
+                                        </p:attrNameLst>
+                                      </p:cBhvr>
+                                      <p:to>
+                                        <p:strVal val="visible"/>
+                                      </p:to>
+                                    </p:set>
+                                  </p:childTnLst>
+                                </p:cTn>
+                              </p:par>
+                            </p:childTnLst>
+                          </p:cTn>
+                        </p:par>
+                      </p:childTnLst>
+                    </p:cTn>
+                  </p:par>
+                  <p:par>
+                    <p:cTn id="23" fill="hold">
+                      <p:stCondLst>
+                        <p:cond delay="indefinite"/>
+                      </p:stCondLst>
+                      <p:childTnLst>
+                        <p:par>
+                          <p:cTn id="24" fill="hold">
+                            <p:stCondLst>
+                              <p:cond delay="0"/>
+                            </p:stCondLst>
+                            <p:childTnLst>
+                              <p:par>
+                                <p:cTn id="25" presetID="1" presetClass="entr" presetSubtype="0" fill="hold" nodeType="clickEffect">
+                                  <p:stCondLst>
+                                    <p:cond delay="0"/>
+                                  </p:stCondLst>
+                                  <p:childTnLst>
+                                    <p:set>
+                                      <p:cBhvr>
+                                        <p:cTn id="26" dur="1" fill="hold">
+                                          <p:stCondLst>
+                                            <p:cond delay="0"/>
+                                          </p:stCondLst>
+                                        </p:cTn>
+                                        <p:tgtEl>
+                                          <p:spTgt spid="3">
+                                            <p:txEl>
+                                              <p:pRg st="6" end="6"/>
+                                            </p:txEl>
+                                          </p:spTgt>
+                                        </p:tgtEl>
+                                        <p:attrNameLst>
+                                          <p:attrName>style.visibility</p:attrName>
+                                        </p:attrNameLst>
+                                      </p:cBhvr>
+                                      <p:to>
+                                        <p:strVal val="visible"/>
+                                      </p:to>
+                                    </p:set>
+                                  </p:childTnLst>
+                                </p:cTn>
+                              </p:par>
+                            </p:childTnLst>
+                          </p:cTn>
+                        </p:par>
+                      </p:childTnLst>
+                    </p:cTn>
+                  </p:par>
+                </p:childTnLst>
+              </p:cTn>
+              <p:prevCondLst>
+                <p:cond evt="onPrev" delay="0">
+                  <p:tgtEl>
+                    <p:sldTgt/>
+                  </p:tgtEl>
+                </p:cond>
+              </p:prevCondLst>
+              <p:nextCondLst>
+                <p:cond evt="onNext" delay="0">
+                  <p:tgtEl>
+                    <p:sldTgt/>
+                  </p:tgtEl>
+                </p:cond>
+              </p:nextCondLst>
+            </p:seq>
+          </p:childTnLst>
+        </p:cTn>
+      </p:par>
+    </p:tnLst>
+  </p:timing>
 </p:sld>
 </file>
 
-<file path=ppt/slides/slide31.xml><?xml version="1.0" encoding="utf-8"?>
+<file path=ppt/slides/slide32.xml><?xml version="1.0" encoding="utf-8"?>
 <p:sld xmlns:a="http://schemas.openxmlformats.org/drawingml/2006/main" xmlns:r="http://schemas.openxmlformats.org/officeDocument/2006/relationships" xmlns:p="http://schemas.openxmlformats.org/presentationml/2006/main">
   <p:cSld>
     <p:spTree>
@@ -12640,7 +14434,7 @@
 </p:sld>
 </file>
 
-<file path=ppt/slides/slide32.xml><?xml version="1.0" encoding="utf-8"?>
+<file path=ppt/slides/slide33.xml><?xml version="1.0" encoding="utf-8"?>
 <p:sld xmlns:a="http://schemas.openxmlformats.org/drawingml/2006/main" xmlns:r="http://schemas.openxmlformats.org/officeDocument/2006/relationships" xmlns:p="http://schemas.openxmlformats.org/presentationml/2006/main">
   <p:cSld>
     <p:spTree>
@@ -12798,7 +14592,7 @@
 </p:sld>
 </file>
 
-<file path=ppt/slides/slide33.xml><?xml version="1.0" encoding="utf-8"?>
+<file path=ppt/slides/slide34.xml><?xml version="1.0" encoding="utf-8"?>
 <p:sld xmlns:a="http://schemas.openxmlformats.org/drawingml/2006/main" xmlns:r="http://schemas.openxmlformats.org/officeDocument/2006/relationships" xmlns:p="http://schemas.openxmlformats.org/presentationml/2006/main">
   <p:cSld>
     <p:spTree>
@@ -12892,7 +14686,7 @@
 </p:sld>
 </file>
 
-<file path=ppt/slides/slide34.xml><?xml version="1.0" encoding="utf-8"?>
+<file path=ppt/slides/slide35.xml><?xml version="1.0" encoding="utf-8"?>
 <p:sld xmlns:a="http://schemas.openxmlformats.org/drawingml/2006/main" xmlns:r="http://schemas.openxmlformats.org/officeDocument/2006/relationships" xmlns:p="http://schemas.openxmlformats.org/presentationml/2006/main">
   <p:cSld>
     <p:spTree>
@@ -13339,11 +15133,13 @@
         </p:nvSpPr>
         <p:spPr/>
         <p:txBody>
-          <a:bodyPr/>
+          <a:bodyPr>
+            <a:normAutofit/>
+          </a:bodyPr>
           <a:lstStyle/>
           <a:p>
             <a:r>
-              <a:rPr lang="en-US" dirty="0"/>
+              <a:rPr lang="en-US" sz="4400" b="1" dirty="0"/>
               <a:t>Previous approach</a:t>
             </a:r>
           </a:p>
@@ -14024,6 +15820,165 @@
   <p:clrMapOvr>
     <a:masterClrMapping/>
   </p:clrMapOvr>
+  <p:timing>
+    <p:tnLst>
+      <p:par>
+        <p:cTn id="1" dur="indefinite" restart="never" nodeType="tmRoot">
+          <p:childTnLst>
+            <p:seq concurrent="1" nextAc="seek">
+              <p:cTn id="2" dur="indefinite" nodeType="mainSeq">
+                <p:childTnLst>
+                  <p:par>
+                    <p:cTn id="3" fill="hold">
+                      <p:stCondLst>
+                        <p:cond delay="indefinite"/>
+                      </p:stCondLst>
+                      <p:childTnLst>
+                        <p:par>
+                          <p:cTn id="4" fill="hold">
+                            <p:stCondLst>
+                              <p:cond delay="0"/>
+                            </p:stCondLst>
+                            <p:childTnLst>
+                              <p:par>
+                                <p:cTn id="5" presetID="1" presetClass="entr" presetSubtype="0" fill="hold" nodeType="clickEffect">
+                                  <p:stCondLst>
+                                    <p:cond delay="0"/>
+                                  </p:stCondLst>
+                                  <p:childTnLst>
+                                    <p:set>
+                                      <p:cBhvr>
+                                        <p:cTn id="6" dur="1" fill="hold">
+                                          <p:stCondLst>
+                                            <p:cond delay="0"/>
+                                          </p:stCondLst>
+                                        </p:cTn>
+                                        <p:tgtEl>
+                                          <p:spTgt spid="3">
+                                            <p:txEl>
+                                              <p:pRg st="1" end="1"/>
+                                            </p:txEl>
+                                          </p:spTgt>
+                                        </p:tgtEl>
+                                        <p:attrNameLst>
+                                          <p:attrName>style.visibility</p:attrName>
+                                        </p:attrNameLst>
+                                      </p:cBhvr>
+                                      <p:to>
+                                        <p:strVal val="visible"/>
+                                      </p:to>
+                                    </p:set>
+                                  </p:childTnLst>
+                                </p:cTn>
+                              </p:par>
+                              <p:par>
+                                <p:cTn id="7" presetID="1" presetClass="entr" presetSubtype="0" fill="hold" nodeType="withEffect">
+                                  <p:stCondLst>
+                                    <p:cond delay="0"/>
+                                  </p:stCondLst>
+                                  <p:childTnLst>
+                                    <p:set>
+                                      <p:cBhvr>
+                                        <p:cTn id="8" dur="1" fill="hold">
+                                          <p:stCondLst>
+                                            <p:cond delay="0"/>
+                                          </p:stCondLst>
+                                        </p:cTn>
+                                        <p:tgtEl>
+                                          <p:spTgt spid="3">
+                                            <p:txEl>
+                                              <p:pRg st="2" end="2"/>
+                                            </p:txEl>
+                                          </p:spTgt>
+                                        </p:tgtEl>
+                                        <p:attrNameLst>
+                                          <p:attrName>style.visibility</p:attrName>
+                                        </p:attrNameLst>
+                                      </p:cBhvr>
+                                      <p:to>
+                                        <p:strVal val="visible"/>
+                                      </p:to>
+                                    </p:set>
+                                  </p:childTnLst>
+                                </p:cTn>
+                              </p:par>
+                            </p:childTnLst>
+                          </p:cTn>
+                        </p:par>
+                      </p:childTnLst>
+                    </p:cTn>
+                  </p:par>
+                  <p:par>
+                    <p:cTn id="9" fill="hold">
+                      <p:stCondLst>
+                        <p:cond delay="indefinite"/>
+                      </p:stCondLst>
+                      <p:childTnLst>
+                        <p:par>
+                          <p:cTn id="10" fill="hold">
+                            <p:stCondLst>
+                              <p:cond delay="0"/>
+                            </p:stCondLst>
+                            <p:childTnLst>
+                              <p:par>
+                                <p:cTn id="11" presetID="1" presetClass="entr" presetSubtype="0" fill="hold" nodeType="clickEffect">
+                                  <p:stCondLst>
+                                    <p:cond delay="0"/>
+                                  </p:stCondLst>
+                                  <p:childTnLst>
+                                    <p:set>
+                                      <p:cBhvr>
+                                        <p:cTn id="12" dur="1" fill="hold">
+                                          <p:stCondLst>
+                                            <p:cond delay="0"/>
+                                          </p:stCondLst>
+                                        </p:cTn>
+                                        <p:tgtEl>
+                                          <p:spTgt spid="3">
+                                            <p:txEl>
+                                              <p:pRg st="3" end="3"/>
+                                            </p:txEl>
+                                          </p:spTgt>
+                                        </p:tgtEl>
+                                        <p:attrNameLst>
+                                          <p:attrName>style.visibility</p:attrName>
+                                        </p:attrNameLst>
+                                      </p:cBhvr>
+                                      <p:to>
+                                        <p:strVal val="visible"/>
+                                      </p:to>
+                                    </p:set>
+                                  </p:childTnLst>
+                                </p:cTn>
+                              </p:par>
+                            </p:childTnLst>
+                          </p:cTn>
+                        </p:par>
+                      </p:childTnLst>
+                    </p:cTn>
+                  </p:par>
+                </p:childTnLst>
+              </p:cTn>
+              <p:prevCondLst>
+                <p:cond evt="onPrev" delay="0">
+                  <p:tgtEl>
+                    <p:sldTgt/>
+                  </p:tgtEl>
+                </p:cond>
+              </p:prevCondLst>
+              <p:nextCondLst>
+                <p:cond evt="onNext" delay="0">
+                  <p:tgtEl>
+                    <p:sldTgt/>
+                  </p:tgtEl>
+                </p:cond>
+              </p:nextCondLst>
+            </p:seq>
+          </p:childTnLst>
+        </p:cTn>
+      </p:par>
+    </p:tnLst>
+  </p:timing>
 </p:sld>
 </file>
 
@@ -14062,14 +16017,16 @@
         </p:nvSpPr>
         <p:spPr/>
         <p:txBody>
-          <a:bodyPr/>
+          <a:bodyPr>
+            <a:normAutofit/>
+          </a:bodyPr>
           <a:lstStyle/>
           <a:p>
             <a:r>
-              <a:rPr lang="en-US" sz="5400" b="1" dirty="0"/>
+              <a:rPr lang="en-US" sz="4800" b="1" dirty="0"/>
               <a:t>Context, context, context</a:t>
             </a:r>
-            <a:endParaRPr lang="en-US" dirty="0"/>
+            <a:endParaRPr lang="en-US" sz="4800" dirty="0"/>
           </a:p>
         </p:txBody>
       </p:sp>
@@ -14103,29 +16060,6 @@
             </a:pPr>
             <a:r>
               <a:rPr lang="en-US" sz="2800" dirty="0"/>
-              <a:t>We use the many contexts of </a:t>
-            </a:r>
-            <a:r>
-              <a:rPr lang="en-US" sz="2800" i="1" dirty="0"/>
-              <a:t>w</a:t>
-            </a:r>
-            <a:r>
-              <a:rPr lang="en-US" sz="2800" dirty="0"/>
-              <a:t> to build up a representation of </a:t>
-            </a:r>
-            <a:r>
-              <a:rPr lang="en-US" sz="2800" i="1" dirty="0"/>
-              <a:t>w</a:t>
-            </a:r>
-          </a:p>
-          <a:p>
-            <a:pPr>
-              <a:lnSpc>
-                <a:spcPct val="150000"/>
-              </a:lnSpc>
-            </a:pPr>
-            <a:r>
-              <a:rPr lang="en-US" sz="2800" dirty="0"/>
               <a:t>Consider the meanings of the word “star” in various contexts</a:t>
             </a:r>
           </a:p>
@@ -14217,6 +16151,227 @@
   <p:clrMapOvr>
     <a:masterClrMapping/>
   </p:clrMapOvr>
+  <p:timing>
+    <p:tnLst>
+      <p:par>
+        <p:cTn id="1" dur="indefinite" restart="never" nodeType="tmRoot">
+          <p:childTnLst>
+            <p:seq concurrent="1" nextAc="seek">
+              <p:cTn id="2" dur="indefinite" nodeType="mainSeq">
+                <p:childTnLst>
+                  <p:par>
+                    <p:cTn id="3" fill="hold">
+                      <p:stCondLst>
+                        <p:cond delay="indefinite"/>
+                      </p:stCondLst>
+                      <p:childTnLst>
+                        <p:par>
+                          <p:cTn id="4" fill="hold">
+                            <p:stCondLst>
+                              <p:cond delay="0"/>
+                            </p:stCondLst>
+                            <p:childTnLst>
+                              <p:par>
+                                <p:cTn id="5" presetID="1" presetClass="entr" presetSubtype="0" fill="hold" nodeType="clickEffect">
+                                  <p:stCondLst>
+                                    <p:cond delay="0"/>
+                                  </p:stCondLst>
+                                  <p:childTnLst>
+                                    <p:set>
+                                      <p:cBhvr>
+                                        <p:cTn id="6" dur="1" fill="hold">
+                                          <p:stCondLst>
+                                            <p:cond delay="0"/>
+                                          </p:stCondLst>
+                                        </p:cTn>
+                                        <p:tgtEl>
+                                          <p:spTgt spid="3">
+                                            <p:txEl>
+                                              <p:pRg st="0" end="0"/>
+                                            </p:txEl>
+                                          </p:spTgt>
+                                        </p:tgtEl>
+                                        <p:attrNameLst>
+                                          <p:attrName>style.visibility</p:attrName>
+                                        </p:attrNameLst>
+                                      </p:cBhvr>
+                                      <p:to>
+                                        <p:strVal val="visible"/>
+                                      </p:to>
+                                    </p:set>
+                                  </p:childTnLst>
+                                </p:cTn>
+                              </p:par>
+                            </p:childTnLst>
+                          </p:cTn>
+                        </p:par>
+                      </p:childTnLst>
+                    </p:cTn>
+                  </p:par>
+                  <p:par>
+                    <p:cTn id="7" fill="hold">
+                      <p:stCondLst>
+                        <p:cond delay="indefinite"/>
+                      </p:stCondLst>
+                      <p:childTnLst>
+                        <p:par>
+                          <p:cTn id="8" fill="hold">
+                            <p:stCondLst>
+                              <p:cond delay="0"/>
+                            </p:stCondLst>
+                            <p:childTnLst>
+                              <p:par>
+                                <p:cTn id="9" presetID="1" presetClass="entr" presetSubtype="0" fill="hold" nodeType="clickEffect">
+                                  <p:stCondLst>
+                                    <p:cond delay="0"/>
+                                  </p:stCondLst>
+                                  <p:childTnLst>
+                                    <p:set>
+                                      <p:cBhvr>
+                                        <p:cTn id="10" dur="1" fill="hold">
+                                          <p:stCondLst>
+                                            <p:cond delay="0"/>
+                                          </p:stCondLst>
+                                        </p:cTn>
+                                        <p:tgtEl>
+                                          <p:spTgt spid="3">
+                                            <p:txEl>
+                                              <p:pRg st="1" end="1"/>
+                                            </p:txEl>
+                                          </p:spTgt>
+                                        </p:tgtEl>
+                                        <p:attrNameLst>
+                                          <p:attrName>style.visibility</p:attrName>
+                                        </p:attrNameLst>
+                                      </p:cBhvr>
+                                      <p:to>
+                                        <p:strVal val="visible"/>
+                                      </p:to>
+                                    </p:set>
+                                  </p:childTnLst>
+                                </p:cTn>
+                              </p:par>
+                              <p:par>
+                                <p:cTn id="11" presetID="1" presetClass="entr" presetSubtype="0" fill="hold" nodeType="withEffect">
+                                  <p:stCondLst>
+                                    <p:cond delay="0"/>
+                                  </p:stCondLst>
+                                  <p:childTnLst>
+                                    <p:set>
+                                      <p:cBhvr>
+                                        <p:cTn id="12" dur="1" fill="hold">
+                                          <p:stCondLst>
+                                            <p:cond delay="0"/>
+                                          </p:stCondLst>
+                                        </p:cTn>
+                                        <p:tgtEl>
+                                          <p:spTgt spid="3">
+                                            <p:txEl>
+                                              <p:pRg st="2" end="2"/>
+                                            </p:txEl>
+                                          </p:spTgt>
+                                        </p:tgtEl>
+                                        <p:attrNameLst>
+                                          <p:attrName>style.visibility</p:attrName>
+                                        </p:attrNameLst>
+                                      </p:cBhvr>
+                                      <p:to>
+                                        <p:strVal val="visible"/>
+                                      </p:to>
+                                    </p:set>
+                                  </p:childTnLst>
+                                </p:cTn>
+                              </p:par>
+                              <p:par>
+                                <p:cTn id="13" presetID="1" presetClass="entr" presetSubtype="0" fill="hold" nodeType="withEffect">
+                                  <p:stCondLst>
+                                    <p:cond delay="0"/>
+                                  </p:stCondLst>
+                                  <p:childTnLst>
+                                    <p:set>
+                                      <p:cBhvr>
+                                        <p:cTn id="14" dur="1" fill="hold">
+                                          <p:stCondLst>
+                                            <p:cond delay="0"/>
+                                          </p:stCondLst>
+                                        </p:cTn>
+                                        <p:tgtEl>
+                                          <p:spTgt spid="3">
+                                            <p:txEl>
+                                              <p:pRg st="3" end="3"/>
+                                            </p:txEl>
+                                          </p:spTgt>
+                                        </p:tgtEl>
+                                        <p:attrNameLst>
+                                          <p:attrName>style.visibility</p:attrName>
+                                        </p:attrNameLst>
+                                      </p:cBhvr>
+                                      <p:to>
+                                        <p:strVal val="visible"/>
+                                      </p:to>
+                                    </p:set>
+                                  </p:childTnLst>
+                                </p:cTn>
+                              </p:par>
+                              <p:par>
+                                <p:cTn id="15" presetID="1" presetClass="entr" presetSubtype="0" fill="hold" nodeType="withEffect">
+                                  <p:stCondLst>
+                                    <p:cond delay="0"/>
+                                  </p:stCondLst>
+                                  <p:childTnLst>
+                                    <p:set>
+                                      <p:cBhvr>
+                                        <p:cTn id="16" dur="1" fill="hold">
+                                          <p:stCondLst>
+                                            <p:cond delay="0"/>
+                                          </p:stCondLst>
+                                        </p:cTn>
+                                        <p:tgtEl>
+                                          <p:spTgt spid="3">
+                                            <p:txEl>
+                                              <p:pRg st="4" end="4"/>
+                                            </p:txEl>
+                                          </p:spTgt>
+                                        </p:tgtEl>
+                                        <p:attrNameLst>
+                                          <p:attrName>style.visibility</p:attrName>
+                                        </p:attrNameLst>
+                                      </p:cBhvr>
+                                      <p:to>
+                                        <p:strVal val="visible"/>
+                                      </p:to>
+                                    </p:set>
+                                  </p:childTnLst>
+                                </p:cTn>
+                              </p:par>
+                            </p:childTnLst>
+                          </p:cTn>
+                        </p:par>
+                      </p:childTnLst>
+                    </p:cTn>
+                  </p:par>
+                </p:childTnLst>
+              </p:cTn>
+              <p:prevCondLst>
+                <p:cond evt="onPrev" delay="0">
+                  <p:tgtEl>
+                    <p:sldTgt/>
+                  </p:tgtEl>
+                </p:cond>
+              </p:prevCondLst>
+              <p:nextCondLst>
+                <p:cond evt="onNext" delay="0">
+                  <p:tgtEl>
+                    <p:sldTgt/>
+                  </p:tgtEl>
+                </p:cond>
+              </p:nextCondLst>
+            </p:seq>
+          </p:childTnLst>
+        </p:cTn>
+      </p:par>
+    </p:tnLst>
+  </p:timing>
 </p:sld>
 </file>
 
@@ -14242,7 +16397,7 @@
           <p:cNvPr id="2" name="Title 1">
             <a:extLst>
               <a:ext uri="{FF2B5EF4-FFF2-40B4-BE49-F238E27FC236}">
-                <a16:creationId xmlns:a16="http://schemas.microsoft.com/office/drawing/2014/main" id="{5796AA65-34D8-D582-3852-1DF657AAD4F6}"/>
+                <a16:creationId xmlns:a16="http://schemas.microsoft.com/office/drawing/2014/main" id="{7156C0A1-70E6-9326-36D4-206755F3A93B}"/>
               </a:ext>
             </a:extLst>
           </p:cNvPr>
@@ -14261,9 +16416,10 @@
           <a:lstStyle/>
           <a:p>
             <a:r>
-              <a:rPr lang="en-US" sz="4000" b="1" dirty="0"/>
-              <a:t>Word vectors</a:t>
-            </a:r>
+              <a:rPr lang="en-US" sz="4800" b="1" dirty="0"/>
+              <a:t>Context, context, context</a:t>
+            </a:r>
+            <a:endParaRPr lang="en-US" sz="4800" dirty="0"/>
           </a:p>
         </p:txBody>
       </p:sp>
@@ -14272,7 +16428,7 @@
           <p:cNvPr id="3" name="Content Placeholder 2">
             <a:extLst>
               <a:ext uri="{FF2B5EF4-FFF2-40B4-BE49-F238E27FC236}">
-                <a16:creationId xmlns:a16="http://schemas.microsoft.com/office/drawing/2014/main" id="{24199D3D-A456-07B5-6FB9-F1FE6C37DA9D}"/>
+                <a16:creationId xmlns:a16="http://schemas.microsoft.com/office/drawing/2014/main" id="{63A59CD8-E1B5-B3C6-8C32-9743E82642AA}"/>
               </a:ext>
             </a:extLst>
           </p:cNvPr>
@@ -14296,8 +16452,16 @@
               </a:lnSpc>
             </a:pPr>
             <a:r>
-              <a:rPr lang="en-US" sz="2400" dirty="0"/>
-              <a:t>Want to build a vector for each word</a:t>
+              <a:rPr lang="en-US" sz="2800" dirty="0"/>
+              <a:t>What does the term “</a:t>
+            </a:r>
+            <a:r>
+              <a:rPr lang="en-US" sz="2800" i="1" dirty="0"/>
+              <a:t>jejune</a:t>
+            </a:r>
+            <a:r>
+              <a:rPr lang="en-US" sz="2800" dirty="0"/>
+              <a:t>” indicate?</a:t>
             </a:r>
           </a:p>
           <a:p>
@@ -14307,19 +16471,8 @@
               </a:lnSpc>
             </a:pPr>
             <a:r>
-              <a:rPr lang="en-US" sz="2000" dirty="0"/>
-              <a:t>Dense vector with a limited length (300 - 500)</a:t>
-            </a:r>
-          </a:p>
-          <a:p>
-            <a:pPr lvl="2">
-              <a:lnSpc>
-                <a:spcPct val="150000"/>
-              </a:lnSpc>
-            </a:pPr>
-            <a:r>
-              <a:rPr lang="en-US" sz="1800" dirty="0"/>
-              <a:t>Previous one-hot vectors or BOW are spare vector</a:t>
+              <a:rPr lang="en-US" sz="2600" i="1" dirty="0"/>
+              <a:t>The poem seems to be rather jejune.</a:t>
             </a:r>
           </a:p>
           <a:p>
@@ -14329,10 +16482,20 @@
               </a:lnSpc>
             </a:pPr>
             <a:r>
-              <a:rPr lang="en-US" sz="2000" dirty="0"/>
-              <a:t>Capture similarity in similar contexts: consider the word “actors”</a:t>
-            </a:r>
-            <a:endParaRPr lang="en-US" sz="2400" dirty="0"/>
+              <a:rPr lang="en-US" sz="2600" dirty="0"/>
+              <a:t>Two choices: uninteresting vs. exciting</a:t>
+            </a:r>
+          </a:p>
+          <a:p>
+            <a:pPr lvl="1">
+              <a:lnSpc>
+                <a:spcPct val="150000"/>
+              </a:lnSpc>
+            </a:pPr>
+            <a:r>
+              <a:rPr lang="en-US" sz="2600" dirty="0"/>
+              <a:t>How did you know?</a:t>
+            </a:r>
           </a:p>
           <a:p>
             <a:pPr>
@@ -14340,81 +16503,197 @@
                 <a:spcPct val="150000"/>
               </a:lnSpc>
             </a:pPr>
-            <a:r>
-              <a:rPr lang="en-US" sz="2400" dirty="0"/>
-              <a:t>W</a:t>
-            </a:r>
-            <a:r>
-              <a:rPr lang="en-US" sz="2400" b="1" dirty="0"/>
-              <a:t>ord vectors</a:t>
-            </a:r>
-            <a:r>
-              <a:rPr lang="en-US" sz="2400" dirty="0"/>
-              <a:t> are also called (</a:t>
-            </a:r>
-            <a:r>
-              <a:rPr lang="en-US" sz="2400" b="1" dirty="0"/>
-              <a:t>word or neural</a:t>
-            </a:r>
-            <a:r>
-              <a:rPr lang="en-US" sz="2400" dirty="0"/>
-              <a:t>) </a:t>
-            </a:r>
-            <a:r>
-              <a:rPr lang="en-US" sz="2400" b="1" dirty="0"/>
-              <a:t>embeddings</a:t>
-            </a:r>
-          </a:p>
-          <a:p>
-            <a:pPr lvl="1">
-              <a:lnSpc>
-                <a:spcPct val="150000"/>
-              </a:lnSpc>
-            </a:pPr>
-            <a:r>
-              <a:rPr lang="en-US" sz="2000" dirty="0"/>
-              <a:t>Called </a:t>
-            </a:r>
-            <a:r>
-              <a:rPr lang="en-US" sz="2000" b="1" dirty="0"/>
-              <a:t>distributed</a:t>
-            </a:r>
-            <a:r>
-              <a:rPr lang="en-US" sz="2000" dirty="0"/>
-              <a:t> representation</a:t>
-            </a:r>
-          </a:p>
-          <a:p>
-            <a:pPr lvl="2">
-              <a:lnSpc>
-                <a:spcPct val="150000"/>
-              </a:lnSpc>
-            </a:pPr>
-            <a:r>
-              <a:rPr lang="en-US" sz="1800" dirty="0"/>
-              <a:t>Previous representation is called </a:t>
-            </a:r>
-            <a:r>
-              <a:rPr lang="en-US" sz="1800" b="1" dirty="0"/>
-              <a:t>denotational</a:t>
-            </a:r>
-            <a:r>
-              <a:rPr lang="en-US" sz="1800" dirty="0"/>
-              <a:t> representation </a:t>
-            </a:r>
+            <a:endParaRPr lang="en-US" sz="2400" dirty="0"/>
           </a:p>
         </p:txBody>
       </p:sp>
     </p:spTree>
     <p:extLst>
       <p:ext uri="{BB962C8B-B14F-4D97-AF65-F5344CB8AC3E}">
-        <p14:creationId xmlns:p14="http://schemas.microsoft.com/office/powerpoint/2010/main" val="3812525209"/>
+        <p14:creationId xmlns:p14="http://schemas.microsoft.com/office/powerpoint/2010/main" val="2050960621"/>
       </p:ext>
     </p:extLst>
   </p:cSld>
   <p:clrMapOvr>
     <a:masterClrMapping/>
   </p:clrMapOvr>
+  <p:timing>
+    <p:tnLst>
+      <p:par>
+        <p:cTn id="1" dur="indefinite" restart="never" nodeType="tmRoot">
+          <p:childTnLst>
+            <p:seq concurrent="1" nextAc="seek">
+              <p:cTn id="2" dur="indefinite" nodeType="mainSeq">
+                <p:childTnLst>
+                  <p:par>
+                    <p:cTn id="3" fill="hold">
+                      <p:stCondLst>
+                        <p:cond delay="indefinite"/>
+                      </p:stCondLst>
+                      <p:childTnLst>
+                        <p:par>
+                          <p:cTn id="4" fill="hold">
+                            <p:stCondLst>
+                              <p:cond delay="0"/>
+                            </p:stCondLst>
+                            <p:childTnLst>
+                              <p:par>
+                                <p:cTn id="5" presetID="1" presetClass="entr" presetSubtype="0" fill="hold" nodeType="clickEffect">
+                                  <p:stCondLst>
+                                    <p:cond delay="0"/>
+                                  </p:stCondLst>
+                                  <p:childTnLst>
+                                    <p:set>
+                                      <p:cBhvr>
+                                        <p:cTn id="6" dur="1" fill="hold">
+                                          <p:stCondLst>
+                                            <p:cond delay="0"/>
+                                          </p:stCondLst>
+                                        </p:cTn>
+                                        <p:tgtEl>
+                                          <p:spTgt spid="3">
+                                            <p:txEl>
+                                              <p:pRg st="1" end="1"/>
+                                            </p:txEl>
+                                          </p:spTgt>
+                                        </p:tgtEl>
+                                        <p:attrNameLst>
+                                          <p:attrName>style.visibility</p:attrName>
+                                        </p:attrNameLst>
+                                      </p:cBhvr>
+                                      <p:to>
+                                        <p:strVal val="visible"/>
+                                      </p:to>
+                                    </p:set>
+                                  </p:childTnLst>
+                                </p:cTn>
+                              </p:par>
+                            </p:childTnLst>
+                          </p:cTn>
+                        </p:par>
+                      </p:childTnLst>
+                    </p:cTn>
+                  </p:par>
+                  <p:par>
+                    <p:cTn id="7" fill="hold">
+                      <p:stCondLst>
+                        <p:cond delay="indefinite"/>
+                      </p:stCondLst>
+                      <p:childTnLst>
+                        <p:par>
+                          <p:cTn id="8" fill="hold">
+                            <p:stCondLst>
+                              <p:cond delay="0"/>
+                            </p:stCondLst>
+                            <p:childTnLst>
+                              <p:par>
+                                <p:cTn id="9" presetID="1" presetClass="entr" presetSubtype="0" fill="hold" nodeType="clickEffect">
+                                  <p:stCondLst>
+                                    <p:cond delay="0"/>
+                                  </p:stCondLst>
+                                  <p:childTnLst>
+                                    <p:set>
+                                      <p:cBhvr>
+                                        <p:cTn id="10" dur="1" fill="hold">
+                                          <p:stCondLst>
+                                            <p:cond delay="0"/>
+                                          </p:stCondLst>
+                                        </p:cTn>
+                                        <p:tgtEl>
+                                          <p:spTgt spid="3">
+                                            <p:txEl>
+                                              <p:pRg st="2" end="2"/>
+                                            </p:txEl>
+                                          </p:spTgt>
+                                        </p:tgtEl>
+                                        <p:attrNameLst>
+                                          <p:attrName>style.visibility</p:attrName>
+                                        </p:attrNameLst>
+                                      </p:cBhvr>
+                                      <p:to>
+                                        <p:strVal val="visible"/>
+                                      </p:to>
+                                    </p:set>
+                                  </p:childTnLst>
+                                </p:cTn>
+                              </p:par>
+                            </p:childTnLst>
+                          </p:cTn>
+                        </p:par>
+                      </p:childTnLst>
+                    </p:cTn>
+                  </p:par>
+                  <p:par>
+                    <p:cTn id="11" fill="hold">
+                      <p:stCondLst>
+                        <p:cond delay="indefinite"/>
+                      </p:stCondLst>
+                      <p:childTnLst>
+                        <p:par>
+                          <p:cTn id="12" fill="hold">
+                            <p:stCondLst>
+                              <p:cond delay="0"/>
+                            </p:stCondLst>
+                            <p:childTnLst>
+                              <p:par>
+                                <p:cTn id="13" presetID="1" presetClass="entr" presetSubtype="0" fill="hold" nodeType="clickEffect">
+                                  <p:stCondLst>
+                                    <p:cond delay="0"/>
+                                  </p:stCondLst>
+                                  <p:childTnLst>
+                                    <p:set>
+                                      <p:cBhvr>
+                                        <p:cTn id="14" dur="1" fill="hold">
+                                          <p:stCondLst>
+                                            <p:cond delay="0"/>
+                                          </p:stCondLst>
+                                        </p:cTn>
+                                        <p:tgtEl>
+                                          <p:spTgt spid="3">
+                                            <p:txEl>
+                                              <p:pRg st="3" end="3"/>
+                                            </p:txEl>
+                                          </p:spTgt>
+                                        </p:tgtEl>
+                                        <p:attrNameLst>
+                                          <p:attrName>style.visibility</p:attrName>
+                                        </p:attrNameLst>
+                                      </p:cBhvr>
+                                      <p:to>
+                                        <p:strVal val="visible"/>
+                                      </p:to>
+                                    </p:set>
+                                  </p:childTnLst>
+                                </p:cTn>
+                              </p:par>
+                            </p:childTnLst>
+                          </p:cTn>
+                        </p:par>
+                      </p:childTnLst>
+                    </p:cTn>
+                  </p:par>
+                </p:childTnLst>
+              </p:cTn>
+              <p:prevCondLst>
+                <p:cond evt="onPrev" delay="0">
+                  <p:tgtEl>
+                    <p:sldTgt/>
+                  </p:tgtEl>
+                </p:cond>
+              </p:prevCondLst>
+              <p:nextCondLst>
+                <p:cond evt="onNext" delay="0">
+                  <p:tgtEl>
+                    <p:sldTgt/>
+                  </p:tgtEl>
+                </p:cond>
+              </p:nextCondLst>
+            </p:seq>
+          </p:childTnLst>
+        </p:cTn>
+      </p:par>
+    </p:tnLst>
+  </p:timing>
 </p:sld>
 </file>
 
@@ -14459,7 +16738,7 @@
           <a:lstStyle/>
           <a:p>
             <a:r>
-              <a:rPr lang="en-US" sz="4000" b="1" dirty="0"/>
+              <a:rPr lang="en-US" sz="4400" b="1" dirty="0"/>
               <a:t>Word vectors</a:t>
             </a:r>
           </a:p>
@@ -14494,10 +16773,192 @@
               </a:lnSpc>
             </a:pPr>
             <a:r>
-              <a:rPr lang="en-US" sz="3200" dirty="0"/>
-              <a:t>Why dense vectors for similarity?</a:t>
-            </a:r>
-          </a:p>
+              <a:rPr lang="en-US" sz="2400" dirty="0"/>
+              <a:t>Want to build a vector for each word</a:t>
+            </a:r>
+          </a:p>
+          <a:p>
+            <a:pPr lvl="1">
+              <a:lnSpc>
+                <a:spcPct val="150000"/>
+              </a:lnSpc>
+            </a:pPr>
+            <a:r>
+              <a:rPr lang="en-US" sz="2000" dirty="0"/>
+              <a:t>Dense vector with a limited length (300 - 500)</a:t>
+            </a:r>
+          </a:p>
+          <a:p>
+            <a:pPr lvl="2">
+              <a:lnSpc>
+                <a:spcPct val="150000"/>
+              </a:lnSpc>
+            </a:pPr>
+            <a:r>
+              <a:rPr lang="en-US" sz="1800" dirty="0"/>
+              <a:t>Previous one-hot vectors or BOW are spare vector</a:t>
+            </a:r>
+          </a:p>
+          <a:p>
+            <a:pPr lvl="1">
+              <a:lnSpc>
+                <a:spcPct val="150000"/>
+              </a:lnSpc>
+            </a:pPr>
+            <a:r>
+              <a:rPr lang="en-US" sz="2000" dirty="0"/>
+              <a:t>Capture similarity in similar contexts</a:t>
+            </a:r>
+          </a:p>
+          <a:p>
+            <a:pPr lvl="1">
+              <a:lnSpc>
+                <a:spcPct val="150000"/>
+              </a:lnSpc>
+            </a:pPr>
+            <a:r>
+              <a:rPr lang="en-US" sz="2400" b="1" dirty="0"/>
+              <a:t>Word vectors</a:t>
+            </a:r>
+            <a:r>
+              <a:rPr lang="en-US" sz="2400" dirty="0"/>
+              <a:t> are also called (</a:t>
+            </a:r>
+            <a:r>
+              <a:rPr lang="en-US" sz="2400" b="1" dirty="0"/>
+              <a:t>word or neural</a:t>
+            </a:r>
+            <a:r>
+              <a:rPr lang="en-US" sz="2400" dirty="0"/>
+              <a:t>) </a:t>
+            </a:r>
+            <a:r>
+              <a:rPr lang="en-US" sz="2400" b="1" dirty="0"/>
+              <a:t>embeddings</a:t>
+            </a:r>
+          </a:p>
+          <a:p>
+            <a:pPr lvl="1">
+              <a:lnSpc>
+                <a:spcPct val="150000"/>
+              </a:lnSpc>
+            </a:pPr>
+            <a:r>
+              <a:rPr lang="en-US" sz="2000" dirty="0"/>
+              <a:t>Called </a:t>
+            </a:r>
+            <a:r>
+              <a:rPr lang="en-US" sz="2000" b="1" dirty="0"/>
+              <a:t>distributed</a:t>
+            </a:r>
+            <a:r>
+              <a:rPr lang="en-US" sz="2000" dirty="0"/>
+              <a:t> representation</a:t>
+            </a:r>
+          </a:p>
+          <a:p>
+            <a:pPr lvl="2">
+              <a:lnSpc>
+                <a:spcPct val="150000"/>
+              </a:lnSpc>
+            </a:pPr>
+            <a:r>
+              <a:rPr lang="en-US" sz="1800" dirty="0"/>
+              <a:t>Previous representation is called </a:t>
+            </a:r>
+            <a:r>
+              <a:rPr lang="en-US" sz="1800" b="1" dirty="0"/>
+              <a:t>denotational</a:t>
+            </a:r>
+            <a:r>
+              <a:rPr lang="en-US" sz="1800" dirty="0"/>
+              <a:t> representation </a:t>
+            </a:r>
+          </a:p>
+        </p:txBody>
+      </p:sp>
+    </p:spTree>
+    <p:extLst>
+      <p:ext uri="{BB962C8B-B14F-4D97-AF65-F5344CB8AC3E}">
+        <p14:creationId xmlns:p14="http://schemas.microsoft.com/office/powerpoint/2010/main" val="3812525209"/>
+      </p:ext>
+    </p:extLst>
+  </p:cSld>
+  <p:clrMapOvr>
+    <a:masterClrMapping/>
+  </p:clrMapOvr>
+</p:sld>
+</file>
+
+<file path=ppt/slides/slide9.xml><?xml version="1.0" encoding="utf-8"?>
+<p:sld xmlns:a="http://schemas.openxmlformats.org/drawingml/2006/main" xmlns:r="http://schemas.openxmlformats.org/officeDocument/2006/relationships" xmlns:p="http://schemas.openxmlformats.org/presentationml/2006/main">
+  <p:cSld>
+    <p:spTree>
+      <p:nvGrpSpPr>
+        <p:cNvPr id="1" name=""/>
+        <p:cNvGrpSpPr/>
+        <p:nvPr/>
+      </p:nvGrpSpPr>
+      <p:grpSpPr>
+        <a:xfrm>
+          <a:off x="0" y="0"/>
+          <a:ext cx="0" cy="0"/>
+          <a:chOff x="0" y="0"/>
+          <a:chExt cx="0" cy="0"/>
+        </a:xfrm>
+      </p:grpSpPr>
+      <p:sp>
+        <p:nvSpPr>
+          <p:cNvPr id="2" name="Title 1">
+            <a:extLst>
+              <a:ext uri="{FF2B5EF4-FFF2-40B4-BE49-F238E27FC236}">
+                <a16:creationId xmlns:a16="http://schemas.microsoft.com/office/drawing/2014/main" id="{5796AA65-34D8-D582-3852-1DF657AAD4F6}"/>
+              </a:ext>
+            </a:extLst>
+          </p:cNvPr>
+          <p:cNvSpPr>
+            <a:spLocks noGrp="1"/>
+          </p:cNvSpPr>
+          <p:nvPr>
+            <p:ph type="title"/>
+          </p:nvPr>
+        </p:nvSpPr>
+        <p:spPr/>
+        <p:txBody>
+          <a:bodyPr>
+            <a:normAutofit/>
+          </a:bodyPr>
+          <a:lstStyle/>
+          <a:p>
+            <a:r>
+              <a:rPr lang="en-US" sz="4400" b="1" dirty="0"/>
+              <a:t>Word vectors</a:t>
+            </a:r>
+          </a:p>
+        </p:txBody>
+      </p:sp>
+      <p:sp>
+        <p:nvSpPr>
+          <p:cNvPr id="3" name="Content Placeholder 2">
+            <a:extLst>
+              <a:ext uri="{FF2B5EF4-FFF2-40B4-BE49-F238E27FC236}">
+                <a16:creationId xmlns:a16="http://schemas.microsoft.com/office/drawing/2014/main" id="{24199D3D-A456-07B5-6FB9-F1FE6C37DA9D}"/>
+              </a:ext>
+            </a:extLst>
+          </p:cNvPr>
+          <p:cNvSpPr>
+            <a:spLocks noGrp="1"/>
+          </p:cNvSpPr>
+          <p:nvPr>
+            <p:ph idx="1"/>
+          </p:nvPr>
+        </p:nvSpPr>
+        <p:spPr/>
+        <p:txBody>
+          <a:bodyPr>
+            <a:normAutofit/>
+          </a:bodyPr>
+          <a:lstStyle/>
           <a:p>
             <a:pPr>
               <a:lnSpc>
@@ -14506,7 +16967,7 @@
             </a:pPr>
             <a:r>
               <a:rPr lang="en-US" sz="3200" dirty="0"/>
-              <a:t>More important question is: How</a:t>
+              <a:t>Why dense vectors for similarity?</a:t>
             </a:r>
           </a:p>
           <a:p>
@@ -14517,6 +16978,17 @@
             </a:pPr>
             <a:r>
               <a:rPr lang="en-US" sz="3200" dirty="0"/>
+              <a:t>More important question is: How</a:t>
+            </a:r>
+          </a:p>
+          <a:p>
+            <a:pPr>
+              <a:lnSpc>
+                <a:spcPct val="150000"/>
+              </a:lnSpc>
+            </a:pPr>
+            <a:r>
+              <a:rPr lang="en-US" sz="3200" dirty="0"/>
               <a:t>Let’s consider three words</a:t>
             </a:r>
           </a:p>
@@ -14528,7 +17000,7 @@
             </a:pPr>
             <a:r>
               <a:rPr lang="en-US" sz="2800" dirty="0"/>
-              <a:t>dog, cat, pizza</a:t>
+              <a:t>dog, cat, pizza: represent them in vectors</a:t>
             </a:r>
           </a:p>
         </p:txBody>
@@ -14747,403 +17219,6 @@
                       </p:childTnLst>
                     </p:cTn>
                   </p:par>
-                </p:childTnLst>
-              </p:cTn>
-              <p:prevCondLst>
-                <p:cond evt="onPrev" delay="0">
-                  <p:tgtEl>
-                    <p:sldTgt/>
-                  </p:tgtEl>
-                </p:cond>
-              </p:prevCondLst>
-              <p:nextCondLst>
-                <p:cond evt="onNext" delay="0">
-                  <p:tgtEl>
-                    <p:sldTgt/>
-                  </p:tgtEl>
-                </p:cond>
-              </p:nextCondLst>
-            </p:seq>
-          </p:childTnLst>
-        </p:cTn>
-      </p:par>
-    </p:tnLst>
-  </p:timing>
-</p:sld>
-</file>
-
-<file path=ppt/slides/slide9.xml><?xml version="1.0" encoding="utf-8"?>
-<p:sld xmlns:a="http://schemas.openxmlformats.org/drawingml/2006/main" xmlns:r="http://schemas.openxmlformats.org/officeDocument/2006/relationships" xmlns:p="http://schemas.openxmlformats.org/presentationml/2006/main">
-  <p:cSld>
-    <p:spTree>
-      <p:nvGrpSpPr>
-        <p:cNvPr id="1" name=""/>
-        <p:cNvGrpSpPr/>
-        <p:nvPr/>
-      </p:nvGrpSpPr>
-      <p:grpSpPr>
-        <a:xfrm>
-          <a:off x="0" y="0"/>
-          <a:ext cx="0" cy="0"/>
-          <a:chOff x="0" y="0"/>
-          <a:chExt cx="0" cy="0"/>
-        </a:xfrm>
-      </p:grpSpPr>
-      <p:sp>
-        <p:nvSpPr>
-          <p:cNvPr id="2" name="Title 1">
-            <a:extLst>
-              <a:ext uri="{FF2B5EF4-FFF2-40B4-BE49-F238E27FC236}">
-                <a16:creationId xmlns:a16="http://schemas.microsoft.com/office/drawing/2014/main" id="{F00F2026-5359-5507-8C27-A8B58E4B2FB6}"/>
-              </a:ext>
-            </a:extLst>
-          </p:cNvPr>
-          <p:cNvSpPr>
-            <a:spLocks noGrp="1"/>
-          </p:cNvSpPr>
-          <p:nvPr>
-            <p:ph type="title"/>
-          </p:nvPr>
-        </p:nvSpPr>
-        <p:spPr/>
-        <p:txBody>
-          <a:bodyPr>
-            <a:normAutofit/>
-          </a:bodyPr>
-          <a:lstStyle/>
-          <a:p>
-            <a:r>
-              <a:rPr lang="en-US" sz="4000" b="1" dirty="0"/>
-              <a:t>Discreteness of language</a:t>
-            </a:r>
-          </a:p>
-        </p:txBody>
-      </p:sp>
-      <p:sp>
-        <p:nvSpPr>
-          <p:cNvPr id="3" name="Content Placeholder 2">
-            <a:extLst>
-              <a:ext uri="{FF2B5EF4-FFF2-40B4-BE49-F238E27FC236}">
-                <a16:creationId xmlns:a16="http://schemas.microsoft.com/office/drawing/2014/main" id="{0D1613C0-1027-B706-DF69-13655DE7F281}"/>
-              </a:ext>
-            </a:extLst>
-          </p:cNvPr>
-          <p:cNvSpPr>
-            <a:spLocks noGrp="1"/>
-          </p:cNvSpPr>
-          <p:nvPr>
-            <p:ph idx="1"/>
-          </p:nvPr>
-        </p:nvSpPr>
-        <p:spPr/>
-        <p:txBody>
-          <a:bodyPr>
-            <a:normAutofit fontScale="92500" lnSpcReduction="20000"/>
-          </a:bodyPr>
-          <a:lstStyle/>
-          <a:p>
-            <a:pPr>
-              <a:lnSpc>
-                <a:spcPct val="200000"/>
-              </a:lnSpc>
-            </a:pPr>
-            <a:r>
-              <a:rPr lang="en-US" sz="2400" dirty="0"/>
-              <a:t>In the eyes of computers, “cat” is no closer to “dog” than it is to “pizza”</a:t>
-            </a:r>
-          </a:p>
-          <a:p>
-            <a:pPr>
-              <a:lnSpc>
-                <a:spcPct val="200000"/>
-              </a:lnSpc>
-            </a:pPr>
-            <a:r>
-              <a:rPr lang="en-US" sz="2400" dirty="0"/>
-              <a:t>One way to deal with discrete words programmatically is to assign indices:</a:t>
-            </a:r>
-          </a:p>
-          <a:p>
-            <a:pPr lvl="1">
-              <a:lnSpc>
-                <a:spcPct val="200000"/>
-              </a:lnSpc>
-            </a:pPr>
-            <a:r>
-              <a:rPr lang="en-US" sz="2000" dirty="0"/>
-              <a:t>Index(“cat”) = 1</a:t>
-            </a:r>
-          </a:p>
-          <a:p>
-            <a:pPr lvl="1">
-              <a:lnSpc>
-                <a:spcPct val="200000"/>
-              </a:lnSpc>
-            </a:pPr>
-            <a:r>
-              <a:rPr lang="en-US" sz="2000" dirty="0"/>
-              <a:t>Index(“dog”) = 2</a:t>
-            </a:r>
-          </a:p>
-          <a:p>
-            <a:pPr lvl="1">
-              <a:lnSpc>
-                <a:spcPct val="200000"/>
-              </a:lnSpc>
-            </a:pPr>
-            <a:r>
-              <a:rPr lang="en-US" sz="2000" dirty="0"/>
-              <a:t>Index(“pizza”) = 3</a:t>
-            </a:r>
-          </a:p>
-          <a:p>
-            <a:pPr>
-              <a:lnSpc>
-                <a:spcPct val="200000"/>
-              </a:lnSpc>
-            </a:pPr>
-            <a:r>
-              <a:rPr lang="en-US" sz="2400" dirty="0"/>
-              <a:t>But this method isn’t any better than dealing with raw words	</a:t>
-            </a:r>
-          </a:p>
-          <a:p>
-            <a:pPr lvl="1">
-              <a:lnSpc>
-                <a:spcPct val="200000"/>
-              </a:lnSpc>
-            </a:pPr>
-            <a:endParaRPr lang="en-US" sz="2000" dirty="0"/>
-          </a:p>
-        </p:txBody>
-      </p:sp>
-    </p:spTree>
-    <p:extLst>
-      <p:ext uri="{BB962C8B-B14F-4D97-AF65-F5344CB8AC3E}">
-        <p14:creationId xmlns:p14="http://schemas.microsoft.com/office/powerpoint/2010/main" val="1965692552"/>
-      </p:ext>
-    </p:extLst>
-  </p:cSld>
-  <p:clrMapOvr>
-    <a:masterClrMapping/>
-  </p:clrMapOvr>
-  <p:timing>
-    <p:tnLst>
-      <p:par>
-        <p:cTn id="1" dur="indefinite" restart="never" nodeType="tmRoot">
-          <p:childTnLst>
-            <p:seq concurrent="1" nextAc="seek">
-              <p:cTn id="2" dur="indefinite" nodeType="mainSeq">
-                <p:childTnLst>
-                  <p:par>
-                    <p:cTn id="3" fill="hold">
-                      <p:stCondLst>
-                        <p:cond delay="indefinite"/>
-                      </p:stCondLst>
-                      <p:childTnLst>
-                        <p:par>
-                          <p:cTn id="4" fill="hold">
-                            <p:stCondLst>
-                              <p:cond delay="0"/>
-                            </p:stCondLst>
-                            <p:childTnLst>
-                              <p:par>
-                                <p:cTn id="5" presetID="1" presetClass="entr" presetSubtype="0" fill="hold" nodeType="clickEffect">
-                                  <p:stCondLst>
-                                    <p:cond delay="0"/>
-                                  </p:stCondLst>
-                                  <p:childTnLst>
-                                    <p:set>
-                                      <p:cBhvr>
-                                        <p:cTn id="6" dur="1" fill="hold">
-                                          <p:stCondLst>
-                                            <p:cond delay="0"/>
-                                          </p:stCondLst>
-                                        </p:cTn>
-                                        <p:tgtEl>
-                                          <p:spTgt spid="3">
-                                            <p:txEl>
-                                              <p:pRg st="0" end="0"/>
-                                            </p:txEl>
-                                          </p:spTgt>
-                                        </p:tgtEl>
-                                        <p:attrNameLst>
-                                          <p:attrName>style.visibility</p:attrName>
-                                        </p:attrNameLst>
-                                      </p:cBhvr>
-                                      <p:to>
-                                        <p:strVal val="visible"/>
-                                      </p:to>
-                                    </p:set>
-                                  </p:childTnLst>
-                                </p:cTn>
-                              </p:par>
-                            </p:childTnLst>
-                          </p:cTn>
-                        </p:par>
-                      </p:childTnLst>
-                    </p:cTn>
-                  </p:par>
-                  <p:par>
-                    <p:cTn id="7" fill="hold">
-                      <p:stCondLst>
-                        <p:cond delay="indefinite"/>
-                      </p:stCondLst>
-                      <p:childTnLst>
-                        <p:par>
-                          <p:cTn id="8" fill="hold">
-                            <p:stCondLst>
-                              <p:cond delay="0"/>
-                            </p:stCondLst>
-                            <p:childTnLst>
-                              <p:par>
-                                <p:cTn id="9" presetID="1" presetClass="entr" presetSubtype="0" fill="hold" nodeType="clickEffect">
-                                  <p:stCondLst>
-                                    <p:cond delay="0"/>
-                                  </p:stCondLst>
-                                  <p:childTnLst>
-                                    <p:set>
-                                      <p:cBhvr>
-                                        <p:cTn id="10" dur="1" fill="hold">
-                                          <p:stCondLst>
-                                            <p:cond delay="0"/>
-                                          </p:stCondLst>
-                                        </p:cTn>
-                                        <p:tgtEl>
-                                          <p:spTgt spid="3">
-                                            <p:txEl>
-                                              <p:pRg st="1" end="1"/>
-                                            </p:txEl>
-                                          </p:spTgt>
-                                        </p:tgtEl>
-                                        <p:attrNameLst>
-                                          <p:attrName>style.visibility</p:attrName>
-                                        </p:attrNameLst>
-                                      </p:cBhvr>
-                                      <p:to>
-                                        <p:strVal val="visible"/>
-                                      </p:to>
-                                    </p:set>
-                                  </p:childTnLst>
-                                </p:cTn>
-                              </p:par>
-                            </p:childTnLst>
-                          </p:cTn>
-                        </p:par>
-                      </p:childTnLst>
-                    </p:cTn>
-                  </p:par>
-                  <p:par>
-                    <p:cTn id="11" fill="hold">
-                      <p:stCondLst>
-                        <p:cond delay="indefinite"/>
-                      </p:stCondLst>
-                      <p:childTnLst>
-                        <p:par>
-                          <p:cTn id="12" fill="hold">
-                            <p:stCondLst>
-                              <p:cond delay="0"/>
-                            </p:stCondLst>
-                            <p:childTnLst>
-                              <p:par>
-                                <p:cTn id="13" presetID="1" presetClass="entr" presetSubtype="0" fill="hold" nodeType="clickEffect">
-                                  <p:stCondLst>
-                                    <p:cond delay="0"/>
-                                  </p:stCondLst>
-                                  <p:childTnLst>
-                                    <p:set>
-                                      <p:cBhvr>
-                                        <p:cTn id="14" dur="1" fill="hold">
-                                          <p:stCondLst>
-                                            <p:cond delay="0"/>
-                                          </p:stCondLst>
-                                        </p:cTn>
-                                        <p:tgtEl>
-                                          <p:spTgt spid="3">
-                                            <p:txEl>
-                                              <p:pRg st="2" end="2"/>
-                                            </p:txEl>
-                                          </p:spTgt>
-                                        </p:tgtEl>
-                                        <p:attrNameLst>
-                                          <p:attrName>style.visibility</p:attrName>
-                                        </p:attrNameLst>
-                                      </p:cBhvr>
-                                      <p:to>
-                                        <p:strVal val="visible"/>
-                                      </p:to>
-                                    </p:set>
-                                  </p:childTnLst>
-                                </p:cTn>
-                              </p:par>
-                              <p:par>
-                                <p:cTn id="15" presetID="1" presetClass="entr" presetSubtype="0" fill="hold" nodeType="withEffect">
-                                  <p:stCondLst>
-                                    <p:cond delay="0"/>
-                                  </p:stCondLst>
-                                  <p:childTnLst>
-                                    <p:set>
-                                      <p:cBhvr>
-                                        <p:cTn id="16" dur="1" fill="hold">
-                                          <p:stCondLst>
-                                            <p:cond delay="0"/>
-                                          </p:stCondLst>
-                                        </p:cTn>
-                                        <p:tgtEl>
-                                          <p:spTgt spid="3">
-                                            <p:txEl>
-                                              <p:pRg st="3" end="3"/>
-                                            </p:txEl>
-                                          </p:spTgt>
-                                        </p:tgtEl>
-                                        <p:attrNameLst>
-                                          <p:attrName>style.visibility</p:attrName>
-                                        </p:attrNameLst>
-                                      </p:cBhvr>
-                                      <p:to>
-                                        <p:strVal val="visible"/>
-                                      </p:to>
-                                    </p:set>
-                                  </p:childTnLst>
-                                </p:cTn>
-                              </p:par>
-                              <p:par>
-                                <p:cTn id="17" presetID="1" presetClass="entr" presetSubtype="0" fill="hold" nodeType="withEffect">
-                                  <p:stCondLst>
-                                    <p:cond delay="0"/>
-                                  </p:stCondLst>
-                                  <p:childTnLst>
-                                    <p:set>
-                                      <p:cBhvr>
-                                        <p:cTn id="18" dur="1" fill="hold">
-                                          <p:stCondLst>
-                                            <p:cond delay="0"/>
-                                          </p:stCondLst>
-                                        </p:cTn>
-                                        <p:tgtEl>
-                                          <p:spTgt spid="3">
-                                            <p:txEl>
-                                              <p:pRg st="4" end="4"/>
-                                            </p:txEl>
-                                          </p:spTgt>
-                                        </p:tgtEl>
-                                        <p:attrNameLst>
-                                          <p:attrName>style.visibility</p:attrName>
-                                        </p:attrNameLst>
-                                      </p:cBhvr>
-                                      <p:to>
-                                        <p:strVal val="visible"/>
-                                      </p:to>
-                                    </p:set>
-                                  </p:childTnLst>
-                                </p:cTn>
-                              </p:par>
-                            </p:childTnLst>
-                          </p:cTn>
-                        </p:par>
-                      </p:childTnLst>
-                    </p:cTn>
-                  </p:par>
                   <p:par>
                     <p:cTn id="19" fill="hold">
                       <p:stCondLst>
@@ -15172,7 +17247,69 @@
                                         <p:tgtEl>
                                           <p:spTgt spid="3">
                                             <p:txEl>
-                                              <p:pRg st="5" end="5"/>
+                                              <p:pRg st="1" end="1"/>
+                                            </p:txEl>
+                                          </p:spTgt>
+                                        </p:tgtEl>
+                                        <p:attrNameLst>
+                                          <p:attrName>style.visibility</p:attrName>
+                                        </p:attrNameLst>
+                                      </p:cBhvr>
+                                      <p:to>
+                                        <p:strVal val="visible"/>
+                                      </p:to>
+                                    </p:set>
+                                  </p:childTnLst>
+                                </p:cTn>
+                              </p:par>
+                              <p:par>
+                                <p:cTn id="23" presetID="1" presetClass="entr" presetSubtype="0" fill="hold" nodeType="withEffect">
+                                  <p:stCondLst>
+                                    <p:cond delay="0"/>
+                                  </p:stCondLst>
+                                  <p:childTnLst>
+                                    <p:set>
+                                      <p:cBhvr>
+                                        <p:cTn id="24" dur="1" fill="hold">
+                                          <p:stCondLst>
+                                            <p:cond delay="0"/>
+                                          </p:stCondLst>
+                                        </p:cTn>
+                                        <p:tgtEl>
+                                          <p:spTgt spid="3">
+                                            <p:txEl>
+                                              <p:pRg st="2" end="2"/>
+                                            </p:txEl>
+                                          </p:spTgt>
+                                        </p:tgtEl>
+                                        <p:attrNameLst>
+                                          <p:attrName>style.visibility</p:attrName>
+                                        </p:attrNameLst>
+                                      </p:cBhvr>
+                                      <p:to>
+                                        <p:strVal val="visible"/>
+                                      </p:to>
+                                    </p:set>
+                                  </p:childTnLst>
+                                </p:cTn>
+                              </p:par>
+                              <p:par>
+                                <p:cTn id="25" presetID="1" presetClass="entr" presetSubtype="0" fill="hold" nodeType="withEffect">
+                                  <p:stCondLst>
+                                    <p:cond delay="0"/>
+                                  </p:stCondLst>
+                                  <p:childTnLst>
+                                    <p:set>
+                                      <p:cBhvr>
+                                        <p:cTn id="26" dur="1" fill="hold">
+                                          <p:stCondLst>
+                                            <p:cond delay="0"/>
+                                          </p:stCondLst>
+                                        </p:cTn>
+                                        <p:tgtEl>
+                                          <p:spTgt spid="3">
+                                            <p:txEl>
+                                              <p:pRg st="3" end="3"/>
                                             </p:txEl>
                                           </p:spTgt>
                                         </p:tgtEl>
